--- a/IETF 102 PCE WG ACTN VN Association.pptx
+++ b/IETF 102 PCE WG ACTN VN Association.pptx
@@ -5,15 +5,16 @@
     <p:sldMasterId id="2147483840" r:id="rId1"/>
   </p:sldMasterIdLst>
   <p:notesMasterIdLst>
-    <p:notesMasterId r:id="rId8"/>
+    <p:notesMasterId r:id="rId9"/>
   </p:notesMasterIdLst>
   <p:sldIdLst>
     <p:sldId id="256" r:id="rId2"/>
     <p:sldId id="257" r:id="rId3"/>
     <p:sldId id="258" r:id="rId4"/>
     <p:sldId id="259" r:id="rId5"/>
-    <p:sldId id="260" r:id="rId6"/>
-    <p:sldId id="261" r:id="rId7"/>
+    <p:sldId id="262" r:id="rId6"/>
+    <p:sldId id="260" r:id="rId7"/>
+    <p:sldId id="261" r:id="rId8"/>
   </p:sldIdLst>
   <p:sldSz cx="12192000" cy="6858000"/>
   <p:notesSz cx="6858000" cy="9144000"/>
@@ -940,7 +941,6 @@
             <a:rPr lang="en-US" dirty="0" smtClean="0"/>
             <a:t>Alignment with Association group changes</a:t>
           </a:r>
-          <a:endParaRPr lang="en-US" dirty="0" smtClean="0"/>
         </a:p>
       </dgm:t>
     </dgm:pt>
@@ -1159,6 +1159,13 @@
         </dgm:presLayoutVars>
       </dgm:prSet>
       <dgm:spPr/>
+      <dgm:t>
+        <a:bodyPr/>
+        <a:lstStyle/>
+        <a:p>
+          <a:endParaRPr lang="en-US"/>
+        </a:p>
+      </dgm:t>
     </dgm:pt>
     <dgm:pt modelId="{B8810AA6-A728-49B2-9F4E-44DB3542DA4C}" type="pres">
       <dgm:prSet presAssocID="{88F41077-D650-4CEC-BD84-34399B935625}" presName="parentText" presStyleLbl="node1" presStyleIdx="0" presStyleCnt="3">
@@ -1203,6 +1210,13 @@
         </dgm:presLayoutVars>
       </dgm:prSet>
       <dgm:spPr/>
+      <dgm:t>
+        <a:bodyPr/>
+        <a:lstStyle/>
+        <a:p>
+          <a:endParaRPr lang="en-US"/>
+        </a:p>
+      </dgm:t>
     </dgm:pt>
     <dgm:pt modelId="{D80896E3-848B-46ED-AD34-0DE72FDB377C}" type="pres">
       <dgm:prSet presAssocID="{FCD4E220-49C6-4BF6-8937-11ECBA401817}" presName="parentText" presStyleLbl="node1" presStyleIdx="2" presStyleCnt="3">
@@ -1212,6 +1226,13 @@
         </dgm:presLayoutVars>
       </dgm:prSet>
       <dgm:spPr/>
+      <dgm:t>
+        <a:bodyPr/>
+        <a:lstStyle/>
+        <a:p>
+          <a:endParaRPr lang="en-US"/>
+        </a:p>
+      </dgm:t>
     </dgm:pt>
     <dgm:pt modelId="{ECACDFA2-7A70-463B-8A69-AEF59A970F94}" type="pres">
       <dgm:prSet presAssocID="{FCD4E220-49C6-4BF6-8937-11ECBA401817}" presName="childText" presStyleLbl="revTx" presStyleIdx="1" presStyleCnt="2">
@@ -1230,21 +1251,21 @@
     </dgm:pt>
   </dgm:ptLst>
   <dgm:cxnLst>
+    <dgm:cxn modelId="{D4D1B945-2D70-4952-AF97-7EB2C28EE050}" srcId="{59863362-CA61-4C39-9B7C-7808097517DB}" destId="{BD877CF2-7543-41E1-B1E7-9ABE964996FE}" srcOrd="0" destOrd="0" parTransId="{E89041E1-BC4E-41CB-B7F7-518C8FD2AE9B}" sibTransId="{C5AACFB0-56B0-4D03-80B3-44BC18CFD94D}"/>
+    <dgm:cxn modelId="{90D41482-3414-4903-824A-D220A98F1000}" srcId="{FCD4E220-49C6-4BF6-8937-11ECBA401817}" destId="{0BD07495-A63A-4A9D-881C-D91AA519E530}" srcOrd="0" destOrd="0" parTransId="{37B67D11-7AFB-4D13-8191-8341AB76A693}" sibTransId="{88B49D76-969D-41B6-AF99-108506947107}"/>
     <dgm:cxn modelId="{AECF6176-D12A-4BE8-A465-DB11E9313E46}" type="presOf" srcId="{885BEF56-4BDC-4AEA-A68D-8C05F522DBD9}" destId="{88B55DEC-43D9-49C8-AC8A-96671056B7B8}" srcOrd="0" destOrd="0" presId="urn:microsoft.com/office/officeart/2005/8/layout/vList2"/>
+    <dgm:cxn modelId="{70D6B43D-8ED7-449A-B80E-5E35AC0269B9}" type="presOf" srcId="{FCD4E220-49C6-4BF6-8937-11ECBA401817}" destId="{D80896E3-848B-46ED-AD34-0DE72FDB377C}" srcOrd="0" destOrd="0" presId="urn:microsoft.com/office/officeart/2005/8/layout/vList2"/>
+    <dgm:cxn modelId="{97DBA79E-B222-4FDB-9026-9A4B9FC3D30E}" type="presOf" srcId="{88F41077-D650-4CEC-BD84-34399B935625}" destId="{B8810AA6-A728-49B2-9F4E-44DB3542DA4C}" srcOrd="0" destOrd="0" presId="urn:microsoft.com/office/officeart/2005/8/layout/vList2"/>
+    <dgm:cxn modelId="{06363D06-3611-4FC6-99B3-A8C0D64AF86B}" srcId="{885BEF56-4BDC-4AEA-A68D-8C05F522DBD9}" destId="{88F41077-D650-4CEC-BD84-34399B935625}" srcOrd="0" destOrd="0" parTransId="{7CA396BE-EF6D-497A-A022-B72135454B00}" sibTransId="{AB94100D-1CD0-444D-B005-665B3E9C6BB8}"/>
+    <dgm:cxn modelId="{6D682A4E-210B-4C82-A761-69B8E5F94571}" srcId="{885BEF56-4BDC-4AEA-A68D-8C05F522DBD9}" destId="{FCD4E220-49C6-4BF6-8937-11ECBA401817}" srcOrd="2" destOrd="0" parTransId="{C7E4D440-2EFC-4FEF-AFD2-123750021F2E}" sibTransId="{2B10D597-1FB6-48C7-9D6F-D5F0EED1B9EF}"/>
+    <dgm:cxn modelId="{7834D140-C9F0-419E-97D6-15C2F02DF4ED}" type="presOf" srcId="{BD877CF2-7543-41E1-B1E7-9ABE964996FE}" destId="{985B0D30-09A6-4790-B0A9-A0D68D6E83D6}" srcOrd="0" destOrd="0" presId="urn:microsoft.com/office/officeart/2005/8/layout/vList2"/>
+    <dgm:cxn modelId="{71292DC9-A20E-47E5-9947-837AE33688AE}" srcId="{FCD4E220-49C6-4BF6-8937-11ECBA401817}" destId="{38611D76-8928-4CB5-931F-F7244031337E}" srcOrd="1" destOrd="0" parTransId="{5056D4BC-0702-4BCF-8D0C-E7685B581524}" sibTransId="{A2697624-3FB5-444D-9C52-8F5D158CED0A}"/>
+    <dgm:cxn modelId="{C5D865CD-9B0A-45AB-9F74-D6BA2F4FF2C5}" type="presOf" srcId="{59863362-CA61-4C39-9B7C-7808097517DB}" destId="{29F2A588-28DB-488A-8E99-5ED4C3670646}" srcOrd="0" destOrd="0" presId="urn:microsoft.com/office/officeart/2005/8/layout/vList2"/>
     <dgm:cxn modelId="{267B170C-DDEC-45BA-9638-10BA7D495BB8}" type="presOf" srcId="{0BD07495-A63A-4A9D-881C-D91AA519E530}" destId="{ECACDFA2-7A70-463B-8A69-AEF59A970F94}" srcOrd="0" destOrd="0" presId="urn:microsoft.com/office/officeart/2005/8/layout/vList2"/>
-    <dgm:cxn modelId="{7834D140-C9F0-419E-97D6-15C2F02DF4ED}" type="presOf" srcId="{BD877CF2-7543-41E1-B1E7-9ABE964996FE}" destId="{985B0D30-09A6-4790-B0A9-A0D68D6E83D6}" srcOrd="0" destOrd="0" presId="urn:microsoft.com/office/officeart/2005/8/layout/vList2"/>
-    <dgm:cxn modelId="{90D41482-3414-4903-824A-D220A98F1000}" srcId="{FCD4E220-49C6-4BF6-8937-11ECBA401817}" destId="{0BD07495-A63A-4A9D-881C-D91AA519E530}" srcOrd="0" destOrd="0" parTransId="{37B67D11-7AFB-4D13-8191-8341AB76A693}" sibTransId="{88B49D76-969D-41B6-AF99-108506947107}"/>
+    <dgm:cxn modelId="{79DEF2CD-FC9B-4BF5-B8CF-9F0FFED9A80C}" srcId="{59863362-CA61-4C39-9B7C-7808097517DB}" destId="{EC128574-27DF-41BB-8B8E-45D0E9EAFA2B}" srcOrd="1" destOrd="0" parTransId="{8568CF2B-EAF7-4636-BB66-6C67E3337253}" sibTransId="{780D10A7-36F0-469B-AB2A-46C173586B41}"/>
+    <dgm:cxn modelId="{89F0106E-F714-4161-8003-BA0DA2D527FE}" srcId="{885BEF56-4BDC-4AEA-A68D-8C05F522DBD9}" destId="{59863362-CA61-4C39-9B7C-7808097517DB}" srcOrd="1" destOrd="0" parTransId="{0265DA04-B909-47B3-AA38-9D648D0028B1}" sibTransId="{E5C6AD61-404D-4DBF-984E-E8E378F6DFF1}"/>
     <dgm:cxn modelId="{9158F6AE-839B-4452-8D94-5B8A19C2BFBB}" type="presOf" srcId="{38611D76-8928-4CB5-931F-F7244031337E}" destId="{ECACDFA2-7A70-463B-8A69-AEF59A970F94}" srcOrd="0" destOrd="1" presId="urn:microsoft.com/office/officeart/2005/8/layout/vList2"/>
-    <dgm:cxn modelId="{71292DC9-A20E-47E5-9947-837AE33688AE}" srcId="{FCD4E220-49C6-4BF6-8937-11ECBA401817}" destId="{38611D76-8928-4CB5-931F-F7244031337E}" srcOrd="1" destOrd="0" parTransId="{5056D4BC-0702-4BCF-8D0C-E7685B581524}" sibTransId="{A2697624-3FB5-444D-9C52-8F5D158CED0A}"/>
-    <dgm:cxn modelId="{70D6B43D-8ED7-449A-B80E-5E35AC0269B9}" type="presOf" srcId="{FCD4E220-49C6-4BF6-8937-11ECBA401817}" destId="{D80896E3-848B-46ED-AD34-0DE72FDB377C}" srcOrd="0" destOrd="0" presId="urn:microsoft.com/office/officeart/2005/8/layout/vList2"/>
     <dgm:cxn modelId="{B7C34351-E1AC-48D8-BE21-03706E968F13}" type="presOf" srcId="{EC128574-27DF-41BB-8B8E-45D0E9EAFA2B}" destId="{985B0D30-09A6-4790-B0A9-A0D68D6E83D6}" srcOrd="0" destOrd="1" presId="urn:microsoft.com/office/officeart/2005/8/layout/vList2"/>
-    <dgm:cxn modelId="{06363D06-3611-4FC6-99B3-A8C0D64AF86B}" srcId="{885BEF56-4BDC-4AEA-A68D-8C05F522DBD9}" destId="{88F41077-D650-4CEC-BD84-34399B935625}" srcOrd="0" destOrd="0" parTransId="{7CA396BE-EF6D-497A-A022-B72135454B00}" sibTransId="{AB94100D-1CD0-444D-B005-665B3E9C6BB8}"/>
-    <dgm:cxn modelId="{79DEF2CD-FC9B-4BF5-B8CF-9F0FFED9A80C}" srcId="{59863362-CA61-4C39-9B7C-7808097517DB}" destId="{EC128574-27DF-41BB-8B8E-45D0E9EAFA2B}" srcOrd="1" destOrd="0" parTransId="{8568CF2B-EAF7-4636-BB66-6C67E3337253}" sibTransId="{780D10A7-36F0-469B-AB2A-46C173586B41}"/>
-    <dgm:cxn modelId="{6D682A4E-210B-4C82-A761-69B8E5F94571}" srcId="{885BEF56-4BDC-4AEA-A68D-8C05F522DBD9}" destId="{FCD4E220-49C6-4BF6-8937-11ECBA401817}" srcOrd="2" destOrd="0" parTransId="{C7E4D440-2EFC-4FEF-AFD2-123750021F2E}" sibTransId="{2B10D597-1FB6-48C7-9D6F-D5F0EED1B9EF}"/>
-    <dgm:cxn modelId="{97DBA79E-B222-4FDB-9026-9A4B9FC3D30E}" type="presOf" srcId="{88F41077-D650-4CEC-BD84-34399B935625}" destId="{B8810AA6-A728-49B2-9F4E-44DB3542DA4C}" srcOrd="0" destOrd="0" presId="urn:microsoft.com/office/officeart/2005/8/layout/vList2"/>
-    <dgm:cxn modelId="{89F0106E-F714-4161-8003-BA0DA2D527FE}" srcId="{885BEF56-4BDC-4AEA-A68D-8C05F522DBD9}" destId="{59863362-CA61-4C39-9B7C-7808097517DB}" srcOrd="1" destOrd="0" parTransId="{0265DA04-B909-47B3-AA38-9D648D0028B1}" sibTransId="{E5C6AD61-404D-4DBF-984E-E8E378F6DFF1}"/>
-    <dgm:cxn modelId="{D4D1B945-2D70-4952-AF97-7EB2C28EE050}" srcId="{59863362-CA61-4C39-9B7C-7808097517DB}" destId="{BD877CF2-7543-41E1-B1E7-9ABE964996FE}" srcOrd="0" destOrd="0" parTransId="{E89041E1-BC4E-41CB-B7F7-518C8FD2AE9B}" sibTransId="{C5AACFB0-56B0-4D03-80B3-44BC18CFD94D}"/>
-    <dgm:cxn modelId="{C5D865CD-9B0A-45AB-9F74-D6BA2F4FF2C5}" type="presOf" srcId="{59863362-CA61-4C39-9B7C-7808097517DB}" destId="{29F2A588-28DB-488A-8E99-5ED4C3670646}" srcOrd="0" destOrd="0" presId="urn:microsoft.com/office/officeart/2005/8/layout/vList2"/>
     <dgm:cxn modelId="{9E5710CC-DC36-416B-A593-1C1D69200682}" type="presParOf" srcId="{88B55DEC-43D9-49C8-AC8A-96671056B7B8}" destId="{B8810AA6-A728-49B2-9F4E-44DB3542DA4C}" srcOrd="0" destOrd="0" presId="urn:microsoft.com/office/officeart/2005/8/layout/vList2"/>
     <dgm:cxn modelId="{E8D4F45B-2877-4B86-B41B-F40875E571EE}" type="presParOf" srcId="{88B55DEC-43D9-49C8-AC8A-96671056B7B8}" destId="{C38951B1-C434-4D26-8CB0-5F6109D56BCC}" srcOrd="1" destOrd="0" presId="urn:microsoft.com/office/officeart/2005/8/layout/vList2"/>
     <dgm:cxn modelId="{0602775A-B0B2-41D7-9AFC-4E43917D6497}" type="presParOf" srcId="{88B55DEC-43D9-49C8-AC8A-96671056B7B8}" destId="{29F2A588-28DB-488A-8E99-5ED4C3670646}" srcOrd="2" destOrd="0" presId="urn:microsoft.com/office/officeart/2005/8/layout/vList2"/>
@@ -1416,7 +1437,6 @@
             <a:rPr lang="en-US" sz="3400" kern="1200" dirty="0" smtClean="0"/>
             <a:t>Alignment with Association group changes</a:t>
           </a:r>
-          <a:endParaRPr lang="en-US" sz="3400" kern="1200" dirty="0" smtClean="0"/>
         </a:p>
       </dsp:txBody>
       <dsp:txXfrm>
@@ -2948,7 +2968,7 @@
           <a:p>
             <a:fld id="{7886CDC6-55D0-4AE0-8F82-6518E727297C}" type="datetimeFigureOut">
               <a:rPr lang="en-US" smtClean="0"/>
-              <a:t>7/10/2018</a:t>
+              <a:t>7/11/2018</a:t>
             </a:fld>
             <a:endParaRPr lang="en-US"/>
           </a:p>
@@ -3468,7 +3488,7 @@
           <a:p>
             <a:fld id="{57371DDD-6691-4EF6-8DDB-91308B330472}" type="datetime1">
               <a:rPr lang="en-US" smtClean="0"/>
-              <a:t>7/10/2018</a:t>
+              <a:t>7/11/2018</a:t>
             </a:fld>
             <a:endParaRPr lang="en-US" dirty="0"/>
           </a:p>
@@ -3696,7 +3716,7 @@
           <a:p>
             <a:fld id="{3F2D3343-4269-43B6-AC65-BCDE70790A51}" type="datetime1">
               <a:rPr lang="en-US" smtClean="0"/>
-              <a:t>7/10/2018</a:t>
+              <a:t>7/11/2018</a:t>
             </a:fld>
             <a:endParaRPr lang="en-US" dirty="0"/>
           </a:p>
@@ -3875,7 +3895,7 @@
           <a:p>
             <a:fld id="{1A6AF215-FD65-4BF7-ACEA-2172FD00548D}" type="datetime1">
               <a:rPr lang="en-US" smtClean="0"/>
-              <a:t>7/10/2018</a:t>
+              <a:t>7/11/2018</a:t>
             </a:fld>
             <a:endParaRPr lang="en-US" dirty="0"/>
           </a:p>
@@ -4044,7 +4064,7 @@
           <a:p>
             <a:fld id="{708D2AB1-DAD2-43A5-A656-EC3396A3E284}" type="datetime1">
               <a:rPr lang="en-US" smtClean="0"/>
-              <a:t>7/10/2018</a:t>
+              <a:t>7/11/2018</a:t>
             </a:fld>
             <a:endParaRPr lang="en-US" dirty="0"/>
           </a:p>
@@ -4297,7 +4317,7 @@
           <a:p>
             <a:fld id="{0879558C-4C96-4900-BF38-7901E6642124}" type="datetime1">
               <a:rPr lang="en-US" smtClean="0"/>
-              <a:t>7/10/2018</a:t>
+              <a:t>7/11/2018</a:t>
             </a:fld>
             <a:endParaRPr lang="en-US" dirty="0"/>
           </a:p>
@@ -4622,7 +4642,7 @@
           <a:p>
             <a:fld id="{834143E1-9D9A-4D06-86C7-27C948B3BCFA}" type="datetime1">
               <a:rPr lang="en-US" smtClean="0"/>
-              <a:t>7/10/2018</a:t>
+              <a:t>7/11/2018</a:t>
             </a:fld>
             <a:endParaRPr lang="en-US" dirty="0"/>
           </a:p>
@@ -5072,7 +5092,7 @@
           <a:p>
             <a:fld id="{4F9547F5-4F8D-49C7-BACE-637F9641142D}" type="datetime1">
               <a:rPr lang="en-US" smtClean="0"/>
-              <a:t>7/10/2018</a:t>
+              <a:t>7/11/2018</a:t>
             </a:fld>
             <a:endParaRPr lang="en-US" dirty="0"/>
           </a:p>
@@ -5189,7 +5209,7 @@
           <a:p>
             <a:fld id="{412A9835-6036-4F76-9C93-E8F6B4DBDC9E}" type="datetime1">
               <a:rPr lang="en-US" smtClean="0"/>
-              <a:t>7/10/2018</a:t>
+              <a:t>7/11/2018</a:t>
             </a:fld>
             <a:endParaRPr lang="en-US" dirty="0"/>
           </a:p>
@@ -5283,7 +5303,7 @@
           <a:p>
             <a:fld id="{E0272B3E-CE6F-4C8B-AF6F-079069C9F2B7}" type="datetime1">
               <a:rPr lang="en-US" smtClean="0"/>
-              <a:t>7/10/2018</a:t>
+              <a:t>7/11/2018</a:t>
             </a:fld>
             <a:endParaRPr lang="en-US" dirty="0"/>
           </a:p>
@@ -5569,7 +5589,7 @@
           <a:p>
             <a:fld id="{EA836E28-B287-4990-8F47-C4FBF9AD3742}" type="datetime1">
               <a:rPr lang="en-US" smtClean="0"/>
-              <a:t>7/10/2018</a:t>
+              <a:t>7/11/2018</a:t>
             </a:fld>
             <a:endParaRPr lang="en-US" dirty="0"/>
           </a:p>
@@ -5890,7 +5910,7 @@
           <a:p>
             <a:fld id="{3A5DC577-1C71-4AA0-8211-A908F11EBAE7}" type="datetime1">
               <a:rPr lang="en-US" smtClean="0"/>
-              <a:t>7/10/2018</a:t>
+              <a:t>7/11/2018</a:t>
             </a:fld>
             <a:endParaRPr lang="en-US" dirty="0"/>
           </a:p>
@@ -6143,7 +6163,7 @@
           <a:p>
             <a:fld id="{86B8F213-885B-4E9F-A93B-85D17AAF91D5}" type="datetime1">
               <a:rPr lang="en-US" smtClean="0"/>
-              <a:t>7/10/2018</a:t>
+              <a:t>7/11/2018</a:t>
             </a:fld>
             <a:endParaRPr lang="en-US" dirty="0"/>
           </a:p>
@@ -7422,6 +7442,2534 @@
           <a:lstStyle/>
           <a:p>
             <a:r>
+              <a:rPr lang="en-US" dirty="0"/>
+              <a:t>VN </a:t>
+            </a:r>
+            <a:r>
+              <a:rPr lang="en-US" dirty="0" smtClean="0"/>
+              <a:t>Association </a:t>
+            </a:r>
+            <a:endParaRPr lang="en-US" dirty="0"/>
+          </a:p>
+        </p:txBody>
+      </p:sp>
+      <p:sp>
+        <p:nvSpPr>
+          <p:cNvPr id="4" name="Footer Placeholder 3"/>
+          <p:cNvSpPr>
+            <a:spLocks noGrp="1"/>
+          </p:cNvSpPr>
+          <p:nvPr>
+            <p:ph type="ftr" sz="quarter" idx="11"/>
+          </p:nvPr>
+        </p:nvSpPr>
+        <p:spPr/>
+        <p:txBody>
+          <a:bodyPr/>
+          <a:lstStyle/>
+          <a:p>
+            <a:r>
+              <a:rPr lang="en-US" smtClean="0"/>
+              <a:t>PCE WG @ IETF 102, Montreal</a:t>
+            </a:r>
+            <a:endParaRPr lang="en-US" dirty="0"/>
+          </a:p>
+        </p:txBody>
+      </p:sp>
+      <p:sp>
+        <p:nvSpPr>
+          <p:cNvPr id="5" name="Slide Number Placeholder 4"/>
+          <p:cNvSpPr>
+            <a:spLocks noGrp="1"/>
+          </p:cNvSpPr>
+          <p:nvPr>
+            <p:ph type="sldNum" sz="quarter" idx="12"/>
+          </p:nvPr>
+        </p:nvSpPr>
+        <p:spPr/>
+        <p:txBody>
+          <a:bodyPr>
+            <a:normAutofit lnSpcReduction="10000"/>
+          </a:bodyPr>
+          <a:lstStyle/>
+          <a:p>
+            <a:fld id="{4FAB73BC-B049-4115-A692-8D63A059BFB8}" type="slidenum">
+              <a:rPr lang="en-US" smtClean="0"/>
+              <a:t>5</a:t>
+            </a:fld>
+            <a:endParaRPr lang="en-US" dirty="0"/>
+          </a:p>
+        </p:txBody>
+      </p:sp>
+      <p:sp>
+        <p:nvSpPr>
+          <p:cNvPr id="7" name="Oval 6"/>
+          <p:cNvSpPr/>
+          <p:nvPr/>
+        </p:nvSpPr>
+        <p:spPr>
+          <a:xfrm>
+            <a:off x="207047" y="5083734"/>
+            <a:ext cx="1980481" cy="1062182"/>
+          </a:xfrm>
+          <a:prstGeom prst="ellipse">
+            <a:avLst/>
+          </a:prstGeom>
+          <a:noFill/>
+          <a:ln w="3175"/>
+        </p:spPr>
+        <p:style>
+          <a:lnRef idx="2">
+            <a:schemeClr val="accent6"/>
+          </a:lnRef>
+          <a:fillRef idx="1">
+            <a:schemeClr val="lt1"/>
+          </a:fillRef>
+          <a:effectRef idx="0">
+            <a:schemeClr val="accent6"/>
+          </a:effectRef>
+          <a:fontRef idx="minor">
+            <a:schemeClr val="dk1"/>
+          </a:fontRef>
+        </p:style>
+        <p:txBody>
+          <a:bodyPr rtlCol="0" anchor="ctr"/>
+          <a:lstStyle/>
+          <a:p>
+            <a:pPr algn="ctr"/>
+            <a:endParaRPr lang="en-US"/>
+          </a:p>
+        </p:txBody>
+      </p:sp>
+      <p:sp>
+        <p:nvSpPr>
+          <p:cNvPr id="8" name="Oval 7"/>
+          <p:cNvSpPr/>
+          <p:nvPr/>
+        </p:nvSpPr>
+        <p:spPr>
+          <a:xfrm>
+            <a:off x="2987628" y="5774153"/>
+            <a:ext cx="1639019" cy="796636"/>
+          </a:xfrm>
+          <a:prstGeom prst="ellipse">
+            <a:avLst/>
+          </a:prstGeom>
+          <a:noFill/>
+          <a:ln w="3175"/>
+        </p:spPr>
+        <p:style>
+          <a:lnRef idx="2">
+            <a:schemeClr val="accent6"/>
+          </a:lnRef>
+          <a:fillRef idx="1">
+            <a:schemeClr val="lt1"/>
+          </a:fillRef>
+          <a:effectRef idx="0">
+            <a:schemeClr val="accent6"/>
+          </a:effectRef>
+          <a:fontRef idx="minor">
+            <a:schemeClr val="dk1"/>
+          </a:fontRef>
+        </p:style>
+        <p:txBody>
+          <a:bodyPr rtlCol="0" anchor="ctr"/>
+          <a:lstStyle/>
+          <a:p>
+            <a:pPr algn="ctr"/>
+            <a:endParaRPr lang="en-US"/>
+          </a:p>
+        </p:txBody>
+      </p:sp>
+      <p:sp>
+        <p:nvSpPr>
+          <p:cNvPr id="9" name="Oval 8"/>
+          <p:cNvSpPr/>
+          <p:nvPr/>
+        </p:nvSpPr>
+        <p:spPr>
+          <a:xfrm>
+            <a:off x="2060255" y="3670997"/>
+            <a:ext cx="1639019" cy="796636"/>
+          </a:xfrm>
+          <a:prstGeom prst="ellipse">
+            <a:avLst/>
+          </a:prstGeom>
+          <a:noFill/>
+          <a:ln w="3175"/>
+        </p:spPr>
+        <p:style>
+          <a:lnRef idx="2">
+            <a:schemeClr val="accent6"/>
+          </a:lnRef>
+          <a:fillRef idx="1">
+            <a:schemeClr val="lt1"/>
+          </a:fillRef>
+          <a:effectRef idx="0">
+            <a:schemeClr val="accent6"/>
+          </a:effectRef>
+          <a:fontRef idx="minor">
+            <a:schemeClr val="dk1"/>
+          </a:fontRef>
+        </p:style>
+        <p:txBody>
+          <a:bodyPr rtlCol="0" anchor="ctr"/>
+          <a:lstStyle/>
+          <a:p>
+            <a:pPr algn="ctr"/>
+            <a:endParaRPr lang="en-US"/>
+          </a:p>
+        </p:txBody>
+      </p:sp>
+      <p:sp>
+        <p:nvSpPr>
+          <p:cNvPr id="10" name="Oval 9"/>
+          <p:cNvSpPr/>
+          <p:nvPr/>
+        </p:nvSpPr>
+        <p:spPr>
+          <a:xfrm>
+            <a:off x="5397273" y="5030625"/>
+            <a:ext cx="1980481" cy="1062182"/>
+          </a:xfrm>
+          <a:prstGeom prst="ellipse">
+            <a:avLst/>
+          </a:prstGeom>
+          <a:noFill/>
+          <a:ln w="3175"/>
+        </p:spPr>
+        <p:style>
+          <a:lnRef idx="2">
+            <a:schemeClr val="accent6"/>
+          </a:lnRef>
+          <a:fillRef idx="1">
+            <a:schemeClr val="lt1"/>
+          </a:fillRef>
+          <a:effectRef idx="0">
+            <a:schemeClr val="accent6"/>
+          </a:effectRef>
+          <a:fontRef idx="minor">
+            <a:schemeClr val="dk1"/>
+          </a:fontRef>
+        </p:style>
+        <p:txBody>
+          <a:bodyPr rtlCol="0" anchor="ctr"/>
+          <a:lstStyle/>
+          <a:p>
+            <a:pPr algn="ctr"/>
+            <a:endParaRPr lang="en-US"/>
+          </a:p>
+        </p:txBody>
+      </p:sp>
+      <p:sp>
+        <p:nvSpPr>
+          <p:cNvPr id="11" name="Rectangle 10"/>
+          <p:cNvSpPr/>
+          <p:nvPr/>
+        </p:nvSpPr>
+        <p:spPr>
+          <a:xfrm>
+            <a:off x="2333425" y="3724106"/>
+            <a:ext cx="273170" cy="159327"/>
+          </a:xfrm>
+          <a:prstGeom prst="rect">
+            <a:avLst/>
+          </a:prstGeom>
+        </p:spPr>
+        <p:style>
+          <a:lnRef idx="2">
+            <a:schemeClr val="accent1">
+              <a:shade val="50000"/>
+            </a:schemeClr>
+          </a:lnRef>
+          <a:fillRef idx="1">
+            <a:schemeClr val="accent1"/>
+          </a:fillRef>
+          <a:effectRef idx="0">
+            <a:schemeClr val="accent1"/>
+          </a:effectRef>
+          <a:fontRef idx="minor">
+            <a:schemeClr val="lt1"/>
+          </a:fontRef>
+        </p:style>
+        <p:txBody>
+          <a:bodyPr rtlCol="0" anchor="ctr"/>
+          <a:lstStyle/>
+          <a:p>
+            <a:pPr algn="ctr"/>
+            <a:endParaRPr lang="en-US"/>
+          </a:p>
+        </p:txBody>
+      </p:sp>
+      <p:sp>
+        <p:nvSpPr>
+          <p:cNvPr id="12" name="Rectangle 11"/>
+          <p:cNvSpPr/>
+          <p:nvPr/>
+        </p:nvSpPr>
+        <p:spPr>
+          <a:xfrm>
+            <a:off x="3221227" y="4361415"/>
+            <a:ext cx="273170" cy="159327"/>
+          </a:xfrm>
+          <a:prstGeom prst="rect">
+            <a:avLst/>
+          </a:prstGeom>
+        </p:spPr>
+        <p:style>
+          <a:lnRef idx="2">
+            <a:schemeClr val="accent1">
+              <a:shade val="50000"/>
+            </a:schemeClr>
+          </a:lnRef>
+          <a:fillRef idx="1">
+            <a:schemeClr val="accent1"/>
+          </a:fillRef>
+          <a:effectRef idx="0">
+            <a:schemeClr val="accent1"/>
+          </a:effectRef>
+          <a:fontRef idx="minor">
+            <a:schemeClr val="lt1"/>
+          </a:fontRef>
+        </p:style>
+        <p:txBody>
+          <a:bodyPr rtlCol="0" anchor="ctr"/>
+          <a:lstStyle/>
+          <a:p>
+            <a:pPr algn="ctr"/>
+            <a:endParaRPr lang="en-US"/>
+          </a:p>
+        </p:txBody>
+      </p:sp>
+      <p:sp>
+        <p:nvSpPr>
+          <p:cNvPr id="13" name="Rectangle 12"/>
+          <p:cNvSpPr/>
+          <p:nvPr/>
+        </p:nvSpPr>
+        <p:spPr>
+          <a:xfrm>
+            <a:off x="3494397" y="3936542"/>
+            <a:ext cx="273170" cy="159327"/>
+          </a:xfrm>
+          <a:prstGeom prst="rect">
+            <a:avLst/>
+          </a:prstGeom>
+        </p:spPr>
+        <p:style>
+          <a:lnRef idx="2">
+            <a:schemeClr val="accent1">
+              <a:shade val="50000"/>
+            </a:schemeClr>
+          </a:lnRef>
+          <a:fillRef idx="1">
+            <a:schemeClr val="accent1"/>
+          </a:fillRef>
+          <a:effectRef idx="0">
+            <a:schemeClr val="accent1"/>
+          </a:effectRef>
+          <a:fontRef idx="minor">
+            <a:schemeClr val="lt1"/>
+          </a:fontRef>
+        </p:style>
+        <p:txBody>
+          <a:bodyPr rtlCol="0" anchor="ctr"/>
+          <a:lstStyle/>
+          <a:p>
+            <a:pPr algn="ctr"/>
+            <a:endParaRPr lang="en-US"/>
+          </a:p>
+        </p:txBody>
+      </p:sp>
+      <p:sp>
+        <p:nvSpPr>
+          <p:cNvPr id="14" name="Rectangle 13"/>
+          <p:cNvSpPr/>
+          <p:nvPr/>
+        </p:nvSpPr>
+        <p:spPr>
+          <a:xfrm>
+            <a:off x="2348287" y="4319069"/>
+            <a:ext cx="273170" cy="159327"/>
+          </a:xfrm>
+          <a:prstGeom prst="rect">
+            <a:avLst/>
+          </a:prstGeom>
+        </p:spPr>
+        <p:style>
+          <a:lnRef idx="2">
+            <a:schemeClr val="accent1">
+              <a:shade val="50000"/>
+            </a:schemeClr>
+          </a:lnRef>
+          <a:fillRef idx="1">
+            <a:schemeClr val="accent1"/>
+          </a:fillRef>
+          <a:effectRef idx="0">
+            <a:schemeClr val="accent1"/>
+          </a:effectRef>
+          <a:fontRef idx="minor">
+            <a:schemeClr val="lt1"/>
+          </a:fontRef>
+        </p:style>
+        <p:txBody>
+          <a:bodyPr rtlCol="0" anchor="ctr"/>
+          <a:lstStyle/>
+          <a:p>
+            <a:pPr algn="ctr"/>
+            <a:endParaRPr lang="en-US"/>
+          </a:p>
+        </p:txBody>
+      </p:sp>
+      <p:sp>
+        <p:nvSpPr>
+          <p:cNvPr id="15" name="Rectangle 14"/>
+          <p:cNvSpPr/>
+          <p:nvPr/>
+        </p:nvSpPr>
+        <p:spPr>
+          <a:xfrm>
+            <a:off x="7172877" y="5667934"/>
+            <a:ext cx="273170" cy="159327"/>
+          </a:xfrm>
+          <a:prstGeom prst="rect">
+            <a:avLst/>
+          </a:prstGeom>
+        </p:spPr>
+        <p:style>
+          <a:lnRef idx="2">
+            <a:schemeClr val="accent1">
+              <a:shade val="50000"/>
+            </a:schemeClr>
+          </a:lnRef>
+          <a:fillRef idx="1">
+            <a:schemeClr val="accent1"/>
+          </a:fillRef>
+          <a:effectRef idx="0">
+            <a:schemeClr val="accent1"/>
+          </a:effectRef>
+          <a:fontRef idx="minor">
+            <a:schemeClr val="lt1"/>
+          </a:fontRef>
+        </p:style>
+        <p:txBody>
+          <a:bodyPr rtlCol="0" anchor="ctr"/>
+          <a:lstStyle/>
+          <a:p>
+            <a:pPr algn="ctr"/>
+            <a:endParaRPr lang="en-US"/>
+          </a:p>
+        </p:txBody>
+      </p:sp>
+      <p:sp>
+        <p:nvSpPr>
+          <p:cNvPr id="16" name="Rectangle 15"/>
+          <p:cNvSpPr/>
+          <p:nvPr/>
+        </p:nvSpPr>
+        <p:spPr>
+          <a:xfrm>
+            <a:off x="6558245" y="4977516"/>
+            <a:ext cx="273170" cy="159327"/>
+          </a:xfrm>
+          <a:prstGeom prst="rect">
+            <a:avLst/>
+          </a:prstGeom>
+        </p:spPr>
+        <p:style>
+          <a:lnRef idx="2">
+            <a:schemeClr val="accent1">
+              <a:shade val="50000"/>
+            </a:schemeClr>
+          </a:lnRef>
+          <a:fillRef idx="1">
+            <a:schemeClr val="accent1"/>
+          </a:fillRef>
+          <a:effectRef idx="0">
+            <a:schemeClr val="accent1"/>
+          </a:effectRef>
+          <a:fontRef idx="minor">
+            <a:schemeClr val="lt1"/>
+          </a:fontRef>
+        </p:style>
+        <p:txBody>
+          <a:bodyPr rtlCol="0" anchor="ctr"/>
+          <a:lstStyle/>
+          <a:p>
+            <a:pPr algn="ctr"/>
+            <a:endParaRPr lang="en-US"/>
+          </a:p>
+        </p:txBody>
+      </p:sp>
+      <p:sp>
+        <p:nvSpPr>
+          <p:cNvPr id="17" name="Rectangle 16"/>
+          <p:cNvSpPr/>
+          <p:nvPr/>
+        </p:nvSpPr>
+        <p:spPr>
+          <a:xfrm>
+            <a:off x="5807028" y="5933480"/>
+            <a:ext cx="273170" cy="159327"/>
+          </a:xfrm>
+          <a:prstGeom prst="rect">
+            <a:avLst/>
+          </a:prstGeom>
+        </p:spPr>
+        <p:style>
+          <a:lnRef idx="2">
+            <a:schemeClr val="accent1">
+              <a:shade val="50000"/>
+            </a:schemeClr>
+          </a:lnRef>
+          <a:fillRef idx="1">
+            <a:schemeClr val="accent1"/>
+          </a:fillRef>
+          <a:effectRef idx="0">
+            <a:schemeClr val="accent1"/>
+          </a:effectRef>
+          <a:fontRef idx="minor">
+            <a:schemeClr val="lt1"/>
+          </a:fontRef>
+        </p:style>
+        <p:txBody>
+          <a:bodyPr rtlCol="0" anchor="ctr"/>
+          <a:lstStyle/>
+          <a:p>
+            <a:pPr algn="ctr"/>
+            <a:endParaRPr lang="en-US"/>
+          </a:p>
+        </p:txBody>
+      </p:sp>
+      <p:sp>
+        <p:nvSpPr>
+          <p:cNvPr id="18" name="Rectangle 17"/>
+          <p:cNvSpPr/>
+          <p:nvPr/>
+        </p:nvSpPr>
+        <p:spPr>
+          <a:xfrm>
+            <a:off x="5397273" y="5296171"/>
+            <a:ext cx="273170" cy="159327"/>
+          </a:xfrm>
+          <a:prstGeom prst="rect">
+            <a:avLst/>
+          </a:prstGeom>
+        </p:spPr>
+        <p:style>
+          <a:lnRef idx="2">
+            <a:schemeClr val="accent1">
+              <a:shade val="50000"/>
+            </a:schemeClr>
+          </a:lnRef>
+          <a:fillRef idx="1">
+            <a:schemeClr val="accent1"/>
+          </a:fillRef>
+          <a:effectRef idx="0">
+            <a:schemeClr val="accent1"/>
+          </a:effectRef>
+          <a:fontRef idx="minor">
+            <a:schemeClr val="lt1"/>
+          </a:fontRef>
+        </p:style>
+        <p:txBody>
+          <a:bodyPr rtlCol="0" anchor="ctr"/>
+          <a:lstStyle/>
+          <a:p>
+            <a:pPr algn="ctr"/>
+            <a:endParaRPr lang="en-US"/>
+          </a:p>
+        </p:txBody>
+      </p:sp>
+      <p:sp>
+        <p:nvSpPr>
+          <p:cNvPr id="19" name="Rectangle 18"/>
+          <p:cNvSpPr/>
+          <p:nvPr/>
+        </p:nvSpPr>
+        <p:spPr>
+          <a:xfrm>
+            <a:off x="1777773" y="5880371"/>
+            <a:ext cx="273170" cy="159327"/>
+          </a:xfrm>
+          <a:prstGeom prst="rect">
+            <a:avLst/>
+          </a:prstGeom>
+        </p:spPr>
+        <p:style>
+          <a:lnRef idx="2">
+            <a:schemeClr val="accent1">
+              <a:shade val="50000"/>
+            </a:schemeClr>
+          </a:lnRef>
+          <a:fillRef idx="1">
+            <a:schemeClr val="accent1"/>
+          </a:fillRef>
+          <a:effectRef idx="0">
+            <a:schemeClr val="accent1"/>
+          </a:effectRef>
+          <a:fontRef idx="minor">
+            <a:schemeClr val="lt1"/>
+          </a:fontRef>
+        </p:style>
+        <p:txBody>
+          <a:bodyPr rtlCol="0" anchor="ctr"/>
+          <a:lstStyle/>
+          <a:p>
+            <a:pPr algn="ctr"/>
+            <a:endParaRPr lang="en-US"/>
+          </a:p>
+        </p:txBody>
+      </p:sp>
+      <p:sp>
+        <p:nvSpPr>
+          <p:cNvPr id="20" name="Rectangle 19"/>
+          <p:cNvSpPr/>
+          <p:nvPr/>
+        </p:nvSpPr>
+        <p:spPr>
+          <a:xfrm>
+            <a:off x="1368019" y="5083734"/>
+            <a:ext cx="273170" cy="159327"/>
+          </a:xfrm>
+          <a:prstGeom prst="rect">
+            <a:avLst/>
+          </a:prstGeom>
+        </p:spPr>
+        <p:style>
+          <a:lnRef idx="2">
+            <a:schemeClr val="accent1">
+              <a:shade val="50000"/>
+            </a:schemeClr>
+          </a:lnRef>
+          <a:fillRef idx="1">
+            <a:schemeClr val="accent1"/>
+          </a:fillRef>
+          <a:effectRef idx="0">
+            <a:schemeClr val="accent1"/>
+          </a:effectRef>
+          <a:fontRef idx="minor">
+            <a:schemeClr val="lt1"/>
+          </a:fontRef>
+        </p:style>
+        <p:txBody>
+          <a:bodyPr rtlCol="0" anchor="ctr"/>
+          <a:lstStyle/>
+          <a:p>
+            <a:pPr algn="ctr"/>
+            <a:endParaRPr lang="en-US"/>
+          </a:p>
+        </p:txBody>
+      </p:sp>
+      <p:sp>
+        <p:nvSpPr>
+          <p:cNvPr id="21" name="Rectangle 20"/>
+          <p:cNvSpPr/>
+          <p:nvPr/>
+        </p:nvSpPr>
+        <p:spPr>
+          <a:xfrm>
+            <a:off x="548509" y="5986589"/>
+            <a:ext cx="273170" cy="159327"/>
+          </a:xfrm>
+          <a:prstGeom prst="rect">
+            <a:avLst/>
+          </a:prstGeom>
+        </p:spPr>
+        <p:style>
+          <a:lnRef idx="2">
+            <a:schemeClr val="accent1">
+              <a:shade val="50000"/>
+            </a:schemeClr>
+          </a:lnRef>
+          <a:fillRef idx="1">
+            <a:schemeClr val="accent1"/>
+          </a:fillRef>
+          <a:effectRef idx="0">
+            <a:schemeClr val="accent1"/>
+          </a:effectRef>
+          <a:fontRef idx="minor">
+            <a:schemeClr val="lt1"/>
+          </a:fontRef>
+        </p:style>
+        <p:txBody>
+          <a:bodyPr rtlCol="0" anchor="ctr"/>
+          <a:lstStyle/>
+          <a:p>
+            <a:pPr algn="ctr"/>
+            <a:endParaRPr lang="en-US"/>
+          </a:p>
+        </p:txBody>
+      </p:sp>
+      <p:sp>
+        <p:nvSpPr>
+          <p:cNvPr id="22" name="Rectangle 21"/>
+          <p:cNvSpPr/>
+          <p:nvPr/>
+        </p:nvSpPr>
+        <p:spPr>
+          <a:xfrm>
+            <a:off x="275339" y="5296171"/>
+            <a:ext cx="273170" cy="159327"/>
+          </a:xfrm>
+          <a:prstGeom prst="rect">
+            <a:avLst/>
+          </a:prstGeom>
+        </p:spPr>
+        <p:style>
+          <a:lnRef idx="2">
+            <a:schemeClr val="accent1">
+              <a:shade val="50000"/>
+            </a:schemeClr>
+          </a:lnRef>
+          <a:fillRef idx="1">
+            <a:schemeClr val="accent1"/>
+          </a:fillRef>
+          <a:effectRef idx="0">
+            <a:schemeClr val="accent1"/>
+          </a:effectRef>
+          <a:fontRef idx="minor">
+            <a:schemeClr val="lt1"/>
+          </a:fontRef>
+        </p:style>
+        <p:txBody>
+          <a:bodyPr rtlCol="0" anchor="ctr"/>
+          <a:lstStyle/>
+          <a:p>
+            <a:pPr algn="ctr"/>
+            <a:endParaRPr lang="en-US"/>
+          </a:p>
+        </p:txBody>
+      </p:sp>
+      <p:sp>
+        <p:nvSpPr>
+          <p:cNvPr id="23" name="Rectangle 22"/>
+          <p:cNvSpPr/>
+          <p:nvPr/>
+        </p:nvSpPr>
+        <p:spPr>
+          <a:xfrm>
+            <a:off x="4148600" y="6305244"/>
+            <a:ext cx="273170" cy="159327"/>
+          </a:xfrm>
+          <a:prstGeom prst="rect">
+            <a:avLst/>
+          </a:prstGeom>
+        </p:spPr>
+        <p:style>
+          <a:lnRef idx="2">
+            <a:schemeClr val="accent1">
+              <a:shade val="50000"/>
+            </a:schemeClr>
+          </a:lnRef>
+          <a:fillRef idx="1">
+            <a:schemeClr val="accent1"/>
+          </a:fillRef>
+          <a:effectRef idx="0">
+            <a:schemeClr val="accent1"/>
+          </a:effectRef>
+          <a:fontRef idx="minor">
+            <a:schemeClr val="lt1"/>
+          </a:fontRef>
+        </p:style>
+        <p:txBody>
+          <a:bodyPr rtlCol="0" anchor="ctr"/>
+          <a:lstStyle/>
+          <a:p>
+            <a:pPr algn="ctr"/>
+            <a:endParaRPr lang="en-US"/>
+          </a:p>
+        </p:txBody>
+      </p:sp>
+      <p:sp>
+        <p:nvSpPr>
+          <p:cNvPr id="24" name="Rectangle 23"/>
+          <p:cNvSpPr/>
+          <p:nvPr/>
+        </p:nvSpPr>
+        <p:spPr>
+          <a:xfrm>
+            <a:off x="2987628" y="6252134"/>
+            <a:ext cx="273170" cy="159327"/>
+          </a:xfrm>
+          <a:prstGeom prst="rect">
+            <a:avLst/>
+          </a:prstGeom>
+        </p:spPr>
+        <p:style>
+          <a:lnRef idx="2">
+            <a:schemeClr val="accent1">
+              <a:shade val="50000"/>
+            </a:schemeClr>
+          </a:lnRef>
+          <a:fillRef idx="1">
+            <a:schemeClr val="accent1"/>
+          </a:fillRef>
+          <a:effectRef idx="0">
+            <a:schemeClr val="accent1"/>
+          </a:effectRef>
+          <a:fontRef idx="minor">
+            <a:schemeClr val="lt1"/>
+          </a:fontRef>
+        </p:style>
+        <p:txBody>
+          <a:bodyPr rtlCol="0" anchor="ctr"/>
+          <a:lstStyle/>
+          <a:p>
+            <a:pPr algn="ctr"/>
+            <a:endParaRPr lang="en-US"/>
+          </a:p>
+        </p:txBody>
+      </p:sp>
+      <p:sp>
+        <p:nvSpPr>
+          <p:cNvPr id="25" name="Rectangle 24"/>
+          <p:cNvSpPr/>
+          <p:nvPr/>
+        </p:nvSpPr>
+        <p:spPr>
+          <a:xfrm>
+            <a:off x="3124213" y="5827262"/>
+            <a:ext cx="273170" cy="159327"/>
+          </a:xfrm>
+          <a:prstGeom prst="rect">
+            <a:avLst/>
+          </a:prstGeom>
+        </p:spPr>
+        <p:style>
+          <a:lnRef idx="2">
+            <a:schemeClr val="accent1">
+              <a:shade val="50000"/>
+            </a:schemeClr>
+          </a:lnRef>
+          <a:fillRef idx="1">
+            <a:schemeClr val="accent1"/>
+          </a:fillRef>
+          <a:effectRef idx="0">
+            <a:schemeClr val="accent1"/>
+          </a:effectRef>
+          <a:fontRef idx="minor">
+            <a:schemeClr val="lt1"/>
+          </a:fontRef>
+        </p:style>
+        <p:txBody>
+          <a:bodyPr rtlCol="0" anchor="ctr"/>
+          <a:lstStyle/>
+          <a:p>
+            <a:pPr algn="ctr"/>
+            <a:endParaRPr lang="en-US"/>
+          </a:p>
+        </p:txBody>
+      </p:sp>
+      <p:sp>
+        <p:nvSpPr>
+          <p:cNvPr id="26" name="Rectangle 25"/>
+          <p:cNvSpPr/>
+          <p:nvPr/>
+        </p:nvSpPr>
+        <p:spPr>
+          <a:xfrm>
+            <a:off x="4285184" y="5880371"/>
+            <a:ext cx="273170" cy="159327"/>
+          </a:xfrm>
+          <a:prstGeom prst="rect">
+            <a:avLst/>
+          </a:prstGeom>
+        </p:spPr>
+        <p:style>
+          <a:lnRef idx="2">
+            <a:schemeClr val="accent1">
+              <a:shade val="50000"/>
+            </a:schemeClr>
+          </a:lnRef>
+          <a:fillRef idx="1">
+            <a:schemeClr val="accent1"/>
+          </a:fillRef>
+          <a:effectRef idx="0">
+            <a:schemeClr val="accent1"/>
+          </a:effectRef>
+          <a:fontRef idx="minor">
+            <a:schemeClr val="lt1"/>
+          </a:fontRef>
+        </p:style>
+        <p:txBody>
+          <a:bodyPr rtlCol="0" anchor="ctr"/>
+          <a:lstStyle/>
+          <a:p>
+            <a:pPr algn="ctr"/>
+            <a:endParaRPr lang="en-US"/>
+          </a:p>
+        </p:txBody>
+      </p:sp>
+      <p:cxnSp>
+        <p:nvCxnSpPr>
+          <p:cNvPr id="27" name="Straight Connector 26"/>
+          <p:cNvCxnSpPr>
+            <a:stCxn id="12" idx="2"/>
+            <a:endCxn id="26" idx="0"/>
+          </p:cNvCxnSpPr>
+          <p:nvPr/>
+        </p:nvCxnSpPr>
+        <p:spPr>
+          <a:xfrm>
+            <a:off x="3357812" y="4520742"/>
+            <a:ext cx="1063957" cy="1359629"/>
+          </a:xfrm>
+          <a:prstGeom prst="line">
+            <a:avLst/>
+          </a:prstGeom>
+          <a:ln>
+            <a:prstDash val="lgDash"/>
+          </a:ln>
+        </p:spPr>
+        <p:style>
+          <a:lnRef idx="1">
+            <a:schemeClr val="accent1"/>
+          </a:lnRef>
+          <a:fillRef idx="0">
+            <a:schemeClr val="accent1"/>
+          </a:fillRef>
+          <a:effectRef idx="0">
+            <a:schemeClr val="accent1"/>
+          </a:effectRef>
+          <a:fontRef idx="minor">
+            <a:schemeClr val="tx1"/>
+          </a:fontRef>
+        </p:style>
+      </p:cxnSp>
+      <p:cxnSp>
+        <p:nvCxnSpPr>
+          <p:cNvPr id="28" name="Straight Connector 27"/>
+          <p:cNvCxnSpPr>
+            <a:stCxn id="20" idx="0"/>
+            <a:endCxn id="11" idx="2"/>
+          </p:cNvCxnSpPr>
+          <p:nvPr/>
+        </p:nvCxnSpPr>
+        <p:spPr>
+          <a:xfrm flipV="1">
+            <a:off x="1504604" y="3883433"/>
+            <a:ext cx="965406" cy="1200301"/>
+          </a:xfrm>
+          <a:prstGeom prst="line">
+            <a:avLst/>
+          </a:prstGeom>
+          <a:ln>
+            <a:prstDash val="lgDash"/>
+          </a:ln>
+        </p:spPr>
+        <p:style>
+          <a:lnRef idx="1">
+            <a:schemeClr val="accent1"/>
+          </a:lnRef>
+          <a:fillRef idx="0">
+            <a:schemeClr val="accent1"/>
+          </a:fillRef>
+          <a:effectRef idx="0">
+            <a:schemeClr val="accent1"/>
+          </a:effectRef>
+          <a:fontRef idx="minor">
+            <a:schemeClr val="tx1"/>
+          </a:fontRef>
+        </p:style>
+      </p:cxnSp>
+      <p:cxnSp>
+        <p:nvCxnSpPr>
+          <p:cNvPr id="29" name="Straight Connector 28"/>
+          <p:cNvCxnSpPr>
+            <a:stCxn id="19" idx="2"/>
+            <a:endCxn id="24" idx="1"/>
+          </p:cNvCxnSpPr>
+          <p:nvPr/>
+        </p:nvCxnSpPr>
+        <p:spPr>
+          <a:xfrm>
+            <a:off x="1914358" y="6039698"/>
+            <a:ext cx="1073270" cy="292100"/>
+          </a:xfrm>
+          <a:prstGeom prst="line">
+            <a:avLst/>
+          </a:prstGeom>
+          <a:ln>
+            <a:prstDash val="lgDash"/>
+          </a:ln>
+        </p:spPr>
+        <p:style>
+          <a:lnRef idx="1">
+            <a:schemeClr val="accent1"/>
+          </a:lnRef>
+          <a:fillRef idx="0">
+            <a:schemeClr val="accent1"/>
+          </a:fillRef>
+          <a:effectRef idx="0">
+            <a:schemeClr val="accent1"/>
+          </a:effectRef>
+          <a:fontRef idx="minor">
+            <a:schemeClr val="tx1"/>
+          </a:fontRef>
+        </p:style>
+      </p:cxnSp>
+      <p:cxnSp>
+        <p:nvCxnSpPr>
+          <p:cNvPr id="30" name="Straight Connector 29"/>
+          <p:cNvCxnSpPr>
+            <a:stCxn id="20" idx="2"/>
+            <a:endCxn id="25" idx="0"/>
+          </p:cNvCxnSpPr>
+          <p:nvPr/>
+        </p:nvCxnSpPr>
+        <p:spPr>
+          <a:xfrm>
+            <a:off x="1504604" y="5243061"/>
+            <a:ext cx="1756194" cy="584201"/>
+          </a:xfrm>
+          <a:prstGeom prst="line">
+            <a:avLst/>
+          </a:prstGeom>
+          <a:ln>
+            <a:prstDash val="lgDash"/>
+          </a:ln>
+        </p:spPr>
+        <p:style>
+          <a:lnRef idx="1">
+            <a:schemeClr val="accent1"/>
+          </a:lnRef>
+          <a:fillRef idx="0">
+            <a:schemeClr val="accent1"/>
+          </a:fillRef>
+          <a:effectRef idx="0">
+            <a:schemeClr val="accent1"/>
+          </a:effectRef>
+          <a:fontRef idx="minor">
+            <a:schemeClr val="tx1"/>
+          </a:fontRef>
+        </p:style>
+      </p:cxnSp>
+      <p:cxnSp>
+        <p:nvCxnSpPr>
+          <p:cNvPr id="31" name="Straight Connector 30"/>
+          <p:cNvCxnSpPr>
+            <a:stCxn id="13" idx="3"/>
+          </p:cNvCxnSpPr>
+          <p:nvPr/>
+        </p:nvCxnSpPr>
+        <p:spPr>
+          <a:xfrm>
+            <a:off x="3767567" y="4016206"/>
+            <a:ext cx="1561414" cy="1279965"/>
+          </a:xfrm>
+          <a:prstGeom prst="line">
+            <a:avLst/>
+          </a:prstGeom>
+          <a:ln>
+            <a:prstDash val="lgDash"/>
+          </a:ln>
+        </p:spPr>
+        <p:style>
+          <a:lnRef idx="1">
+            <a:schemeClr val="accent1"/>
+          </a:lnRef>
+          <a:fillRef idx="0">
+            <a:schemeClr val="accent1"/>
+          </a:fillRef>
+          <a:effectRef idx="0">
+            <a:schemeClr val="accent1"/>
+          </a:effectRef>
+          <a:fontRef idx="minor">
+            <a:schemeClr val="tx1"/>
+          </a:fontRef>
+        </p:style>
+      </p:cxnSp>
+      <p:cxnSp>
+        <p:nvCxnSpPr>
+          <p:cNvPr id="32" name="Straight Connector 31"/>
+          <p:cNvCxnSpPr>
+            <a:stCxn id="26" idx="3"/>
+          </p:cNvCxnSpPr>
+          <p:nvPr/>
+        </p:nvCxnSpPr>
+        <p:spPr>
+          <a:xfrm flipV="1">
+            <a:off x="4558354" y="5455499"/>
+            <a:ext cx="838920" cy="504536"/>
+          </a:xfrm>
+          <a:prstGeom prst="line">
+            <a:avLst/>
+          </a:prstGeom>
+          <a:ln>
+            <a:prstDash val="lgDash"/>
+          </a:ln>
+        </p:spPr>
+        <p:style>
+          <a:lnRef idx="1">
+            <a:schemeClr val="accent1"/>
+          </a:lnRef>
+          <a:fillRef idx="0">
+            <a:schemeClr val="accent1"/>
+          </a:fillRef>
+          <a:effectRef idx="0">
+            <a:schemeClr val="accent1"/>
+          </a:effectRef>
+          <a:fontRef idx="minor">
+            <a:schemeClr val="tx1"/>
+          </a:fontRef>
+        </p:style>
+      </p:cxnSp>
+      <p:cxnSp>
+        <p:nvCxnSpPr>
+          <p:cNvPr id="33" name="Straight Connector 32"/>
+          <p:cNvCxnSpPr>
+            <a:stCxn id="12" idx="3"/>
+            <a:endCxn id="17" idx="1"/>
+          </p:cNvCxnSpPr>
+          <p:nvPr/>
+        </p:nvCxnSpPr>
+        <p:spPr>
+          <a:xfrm>
+            <a:off x="3494397" y="4441079"/>
+            <a:ext cx="2312631" cy="1572065"/>
+          </a:xfrm>
+          <a:prstGeom prst="line">
+            <a:avLst/>
+          </a:prstGeom>
+          <a:ln>
+            <a:prstDash val="lgDash"/>
+          </a:ln>
+        </p:spPr>
+        <p:style>
+          <a:lnRef idx="1">
+            <a:schemeClr val="accent1"/>
+          </a:lnRef>
+          <a:fillRef idx="0">
+            <a:schemeClr val="accent1"/>
+          </a:fillRef>
+          <a:effectRef idx="0">
+            <a:schemeClr val="accent1"/>
+          </a:effectRef>
+          <a:fontRef idx="minor">
+            <a:schemeClr val="tx1"/>
+          </a:fontRef>
+        </p:style>
+      </p:cxnSp>
+      <p:cxnSp>
+        <p:nvCxnSpPr>
+          <p:cNvPr id="34" name="Straight Connector 33"/>
+          <p:cNvCxnSpPr>
+            <a:stCxn id="23" idx="3"/>
+            <a:endCxn id="17" idx="1"/>
+          </p:cNvCxnSpPr>
+          <p:nvPr/>
+        </p:nvCxnSpPr>
+        <p:spPr>
+          <a:xfrm flipV="1">
+            <a:off x="4421770" y="6013144"/>
+            <a:ext cx="1385258" cy="371764"/>
+          </a:xfrm>
+          <a:prstGeom prst="line">
+            <a:avLst/>
+          </a:prstGeom>
+          <a:ln>
+            <a:prstDash val="lgDash"/>
+          </a:ln>
+        </p:spPr>
+        <p:style>
+          <a:lnRef idx="1">
+            <a:schemeClr val="accent1"/>
+          </a:lnRef>
+          <a:fillRef idx="0">
+            <a:schemeClr val="accent1"/>
+          </a:fillRef>
+          <a:effectRef idx="0">
+            <a:schemeClr val="accent1"/>
+          </a:effectRef>
+          <a:fontRef idx="minor">
+            <a:schemeClr val="tx1"/>
+          </a:fontRef>
+        </p:style>
+      </p:cxnSp>
+      <p:sp>
+        <p:nvSpPr>
+          <p:cNvPr id="35" name="Rectangle 34"/>
+          <p:cNvSpPr/>
+          <p:nvPr/>
+        </p:nvSpPr>
+        <p:spPr>
+          <a:xfrm>
+            <a:off x="969047" y="5427789"/>
+            <a:ext cx="273170" cy="159327"/>
+          </a:xfrm>
+          <a:prstGeom prst="rect">
+            <a:avLst/>
+          </a:prstGeom>
+        </p:spPr>
+        <p:style>
+          <a:lnRef idx="2">
+            <a:schemeClr val="accent1">
+              <a:shade val="50000"/>
+            </a:schemeClr>
+          </a:lnRef>
+          <a:fillRef idx="1">
+            <a:schemeClr val="accent1"/>
+          </a:fillRef>
+          <a:effectRef idx="0">
+            <a:schemeClr val="accent1"/>
+          </a:effectRef>
+          <a:fontRef idx="minor">
+            <a:schemeClr val="lt1"/>
+          </a:fontRef>
+        </p:style>
+        <p:txBody>
+          <a:bodyPr rtlCol="0" anchor="ctr"/>
+          <a:lstStyle/>
+          <a:p>
+            <a:pPr algn="ctr"/>
+            <a:endParaRPr lang="en-US"/>
+          </a:p>
+        </p:txBody>
+      </p:sp>
+      <p:sp>
+        <p:nvSpPr>
+          <p:cNvPr id="36" name="Rectangle 35"/>
+          <p:cNvSpPr/>
+          <p:nvPr/>
+        </p:nvSpPr>
+        <p:spPr>
+          <a:xfrm>
+            <a:off x="3559847" y="6113589"/>
+            <a:ext cx="273170" cy="159327"/>
+          </a:xfrm>
+          <a:prstGeom prst="rect">
+            <a:avLst/>
+          </a:prstGeom>
+        </p:spPr>
+        <p:style>
+          <a:lnRef idx="2">
+            <a:schemeClr val="accent1">
+              <a:shade val="50000"/>
+            </a:schemeClr>
+          </a:lnRef>
+          <a:fillRef idx="1">
+            <a:schemeClr val="accent1"/>
+          </a:fillRef>
+          <a:effectRef idx="0">
+            <a:schemeClr val="accent1"/>
+          </a:effectRef>
+          <a:fontRef idx="minor">
+            <a:schemeClr val="lt1"/>
+          </a:fontRef>
+        </p:style>
+        <p:txBody>
+          <a:bodyPr rtlCol="0" anchor="ctr"/>
+          <a:lstStyle/>
+          <a:p>
+            <a:pPr algn="ctr"/>
+            <a:endParaRPr lang="en-US"/>
+          </a:p>
+        </p:txBody>
+      </p:sp>
+      <p:sp>
+        <p:nvSpPr>
+          <p:cNvPr id="37" name="Rectangle 36"/>
+          <p:cNvSpPr/>
+          <p:nvPr/>
+        </p:nvSpPr>
+        <p:spPr>
+          <a:xfrm>
+            <a:off x="5998247" y="5351589"/>
+            <a:ext cx="273170" cy="159327"/>
+          </a:xfrm>
+          <a:prstGeom prst="rect">
+            <a:avLst/>
+          </a:prstGeom>
+        </p:spPr>
+        <p:style>
+          <a:lnRef idx="2">
+            <a:schemeClr val="accent1">
+              <a:shade val="50000"/>
+            </a:schemeClr>
+          </a:lnRef>
+          <a:fillRef idx="1">
+            <a:schemeClr val="accent1"/>
+          </a:fillRef>
+          <a:effectRef idx="0">
+            <a:schemeClr val="accent1"/>
+          </a:effectRef>
+          <a:fontRef idx="minor">
+            <a:schemeClr val="lt1"/>
+          </a:fontRef>
+        </p:style>
+        <p:txBody>
+          <a:bodyPr rtlCol="0" anchor="ctr"/>
+          <a:lstStyle/>
+          <a:p>
+            <a:pPr algn="ctr"/>
+            <a:endParaRPr lang="en-US"/>
+          </a:p>
+        </p:txBody>
+      </p:sp>
+      <p:sp>
+        <p:nvSpPr>
+          <p:cNvPr id="38" name="Rectangle 37"/>
+          <p:cNvSpPr/>
+          <p:nvPr/>
+        </p:nvSpPr>
+        <p:spPr>
+          <a:xfrm>
+            <a:off x="6531647" y="5732589"/>
+            <a:ext cx="273170" cy="159327"/>
+          </a:xfrm>
+          <a:prstGeom prst="rect">
+            <a:avLst/>
+          </a:prstGeom>
+        </p:spPr>
+        <p:style>
+          <a:lnRef idx="2">
+            <a:schemeClr val="accent1">
+              <a:shade val="50000"/>
+            </a:schemeClr>
+          </a:lnRef>
+          <a:fillRef idx="1">
+            <a:schemeClr val="accent1"/>
+          </a:fillRef>
+          <a:effectRef idx="0">
+            <a:schemeClr val="accent1"/>
+          </a:effectRef>
+          <a:fontRef idx="minor">
+            <a:schemeClr val="lt1"/>
+          </a:fontRef>
+        </p:style>
+        <p:txBody>
+          <a:bodyPr rtlCol="0" anchor="ctr"/>
+          <a:lstStyle/>
+          <a:p>
+            <a:pPr algn="ctr"/>
+            <a:endParaRPr lang="en-US"/>
+          </a:p>
+        </p:txBody>
+      </p:sp>
+      <p:cxnSp>
+        <p:nvCxnSpPr>
+          <p:cNvPr id="39" name="Straight Connector 38"/>
+          <p:cNvCxnSpPr>
+            <a:stCxn id="14" idx="2"/>
+            <a:endCxn id="19" idx="0"/>
+          </p:cNvCxnSpPr>
+          <p:nvPr/>
+        </p:nvCxnSpPr>
+        <p:spPr>
+          <a:xfrm flipH="1">
+            <a:off x="1914358" y="4478396"/>
+            <a:ext cx="570514" cy="1401975"/>
+          </a:xfrm>
+          <a:prstGeom prst="line">
+            <a:avLst/>
+          </a:prstGeom>
+          <a:ln>
+            <a:prstDash val="lgDash"/>
+          </a:ln>
+        </p:spPr>
+        <p:style>
+          <a:lnRef idx="1">
+            <a:schemeClr val="accent1"/>
+          </a:lnRef>
+          <a:fillRef idx="0">
+            <a:schemeClr val="accent1"/>
+          </a:fillRef>
+          <a:effectRef idx="0">
+            <a:schemeClr val="accent1"/>
+          </a:effectRef>
+          <a:fontRef idx="minor">
+            <a:schemeClr val="tx1"/>
+          </a:fontRef>
+        </p:style>
+      </p:cxnSp>
+      <p:sp>
+        <p:nvSpPr>
+          <p:cNvPr id="40" name="Oval 39"/>
+          <p:cNvSpPr/>
+          <p:nvPr/>
+        </p:nvSpPr>
+        <p:spPr>
+          <a:xfrm>
+            <a:off x="692103" y="4895133"/>
+            <a:ext cx="360040" cy="360040"/>
+          </a:xfrm>
+          <a:prstGeom prst="ellipse">
+            <a:avLst/>
+          </a:prstGeom>
+        </p:spPr>
+        <p:style>
+          <a:lnRef idx="2">
+            <a:schemeClr val="accent4">
+              <a:shade val="50000"/>
+            </a:schemeClr>
+          </a:lnRef>
+          <a:fillRef idx="1">
+            <a:schemeClr val="accent4"/>
+          </a:fillRef>
+          <a:effectRef idx="0">
+            <a:schemeClr val="accent4"/>
+          </a:effectRef>
+          <a:fontRef idx="minor">
+            <a:schemeClr val="lt1"/>
+          </a:fontRef>
+        </p:style>
+        <p:txBody>
+          <a:bodyPr rtlCol="0" anchor="ctr"/>
+          <a:lstStyle/>
+          <a:p>
+            <a:pPr algn="ctr"/>
+            <a:endParaRPr lang="en-US"/>
+          </a:p>
+        </p:txBody>
+      </p:sp>
+      <p:sp>
+        <p:nvSpPr>
+          <p:cNvPr id="41" name="Oval 40"/>
+          <p:cNvSpPr/>
+          <p:nvPr/>
+        </p:nvSpPr>
+        <p:spPr>
+          <a:xfrm>
+            <a:off x="2852343" y="3382965"/>
+            <a:ext cx="360040" cy="360040"/>
+          </a:xfrm>
+          <a:prstGeom prst="ellipse">
+            <a:avLst/>
+          </a:prstGeom>
+        </p:spPr>
+        <p:style>
+          <a:lnRef idx="2">
+            <a:schemeClr val="accent4">
+              <a:shade val="50000"/>
+            </a:schemeClr>
+          </a:lnRef>
+          <a:fillRef idx="1">
+            <a:schemeClr val="accent4"/>
+          </a:fillRef>
+          <a:effectRef idx="0">
+            <a:schemeClr val="accent4"/>
+          </a:effectRef>
+          <a:fontRef idx="minor">
+            <a:schemeClr val="lt1"/>
+          </a:fontRef>
+        </p:style>
+        <p:txBody>
+          <a:bodyPr rtlCol="0" anchor="ctr"/>
+          <a:lstStyle/>
+          <a:p>
+            <a:pPr algn="ctr"/>
+            <a:endParaRPr lang="en-US"/>
+          </a:p>
+        </p:txBody>
+      </p:sp>
+      <p:sp>
+        <p:nvSpPr>
+          <p:cNvPr id="42" name="Oval 41"/>
+          <p:cNvSpPr/>
+          <p:nvPr/>
+        </p:nvSpPr>
+        <p:spPr>
+          <a:xfrm>
+            <a:off x="3788447" y="5471197"/>
+            <a:ext cx="360040" cy="360040"/>
+          </a:xfrm>
+          <a:prstGeom prst="ellipse">
+            <a:avLst/>
+          </a:prstGeom>
+        </p:spPr>
+        <p:style>
+          <a:lnRef idx="2">
+            <a:schemeClr val="accent4">
+              <a:shade val="50000"/>
+            </a:schemeClr>
+          </a:lnRef>
+          <a:fillRef idx="1">
+            <a:schemeClr val="accent4"/>
+          </a:fillRef>
+          <a:effectRef idx="0">
+            <a:schemeClr val="accent4"/>
+          </a:effectRef>
+          <a:fontRef idx="minor">
+            <a:schemeClr val="lt1"/>
+          </a:fontRef>
+        </p:style>
+        <p:txBody>
+          <a:bodyPr rtlCol="0" anchor="ctr"/>
+          <a:lstStyle/>
+          <a:p>
+            <a:pPr algn="ctr"/>
+            <a:endParaRPr lang="en-US"/>
+          </a:p>
+        </p:txBody>
+      </p:sp>
+      <p:sp>
+        <p:nvSpPr>
+          <p:cNvPr id="43" name="Oval 42"/>
+          <p:cNvSpPr/>
+          <p:nvPr/>
+        </p:nvSpPr>
+        <p:spPr>
+          <a:xfrm>
+            <a:off x="6020695" y="4751117"/>
+            <a:ext cx="360040" cy="360040"/>
+          </a:xfrm>
+          <a:prstGeom prst="ellipse">
+            <a:avLst/>
+          </a:prstGeom>
+        </p:spPr>
+        <p:style>
+          <a:lnRef idx="2">
+            <a:schemeClr val="accent4">
+              <a:shade val="50000"/>
+            </a:schemeClr>
+          </a:lnRef>
+          <a:fillRef idx="1">
+            <a:schemeClr val="accent4"/>
+          </a:fillRef>
+          <a:effectRef idx="0">
+            <a:schemeClr val="accent4"/>
+          </a:effectRef>
+          <a:fontRef idx="minor">
+            <a:schemeClr val="lt1"/>
+          </a:fontRef>
+        </p:style>
+        <p:txBody>
+          <a:bodyPr rtlCol="0" anchor="ctr"/>
+          <a:lstStyle/>
+          <a:p>
+            <a:pPr algn="ctr"/>
+            <a:endParaRPr lang="en-US"/>
+          </a:p>
+        </p:txBody>
+      </p:sp>
+      <p:sp>
+        <p:nvSpPr>
+          <p:cNvPr id="44" name="Oval 43"/>
+          <p:cNvSpPr/>
+          <p:nvPr/>
+        </p:nvSpPr>
+        <p:spPr>
+          <a:xfrm>
+            <a:off x="2204271" y="2158829"/>
+            <a:ext cx="2808312" cy="720080"/>
+          </a:xfrm>
+          <a:prstGeom prst="ellipse">
+            <a:avLst/>
+          </a:prstGeom>
+        </p:spPr>
+        <p:style>
+          <a:lnRef idx="2">
+            <a:schemeClr val="accent6">
+              <a:shade val="50000"/>
+            </a:schemeClr>
+          </a:lnRef>
+          <a:fillRef idx="1">
+            <a:schemeClr val="accent6"/>
+          </a:fillRef>
+          <a:effectRef idx="0">
+            <a:schemeClr val="accent6"/>
+          </a:effectRef>
+          <a:fontRef idx="minor">
+            <a:schemeClr val="lt1"/>
+          </a:fontRef>
+        </p:style>
+        <p:txBody>
+          <a:bodyPr rtlCol="0" anchor="ctr"/>
+          <a:lstStyle/>
+          <a:p>
+            <a:pPr algn="ctr"/>
+            <a:r>
+              <a:rPr lang="en-US" dirty="0" smtClean="0"/>
+              <a:t>Parent Stateful PCE (MDSC)</a:t>
+            </a:r>
+            <a:endParaRPr lang="en-US" dirty="0"/>
+          </a:p>
+        </p:txBody>
+      </p:sp>
+      <p:cxnSp>
+        <p:nvCxnSpPr>
+          <p:cNvPr id="45" name="Straight Arrow Connector 44"/>
+          <p:cNvCxnSpPr>
+            <a:stCxn id="44" idx="2"/>
+            <a:endCxn id="40" idx="0"/>
+          </p:cNvCxnSpPr>
+          <p:nvPr/>
+        </p:nvCxnSpPr>
+        <p:spPr>
+          <a:xfrm flipH="1">
+            <a:off x="872123" y="2518869"/>
+            <a:ext cx="1332148" cy="2376264"/>
+          </a:xfrm>
+          <a:prstGeom prst="straightConnector1">
+            <a:avLst/>
+          </a:prstGeom>
+          <a:ln>
+            <a:tailEnd type="arrow"/>
+          </a:ln>
+        </p:spPr>
+        <p:style>
+          <a:lnRef idx="2">
+            <a:schemeClr val="accent2"/>
+          </a:lnRef>
+          <a:fillRef idx="0">
+            <a:schemeClr val="accent2"/>
+          </a:fillRef>
+          <a:effectRef idx="1">
+            <a:schemeClr val="accent2"/>
+          </a:effectRef>
+          <a:fontRef idx="minor">
+            <a:schemeClr val="tx1"/>
+          </a:fontRef>
+        </p:style>
+      </p:cxnSp>
+      <p:cxnSp>
+        <p:nvCxnSpPr>
+          <p:cNvPr id="46" name="Straight Arrow Connector 45"/>
+          <p:cNvCxnSpPr>
+            <a:stCxn id="44" idx="6"/>
+            <a:endCxn id="43" idx="0"/>
+          </p:cNvCxnSpPr>
+          <p:nvPr/>
+        </p:nvCxnSpPr>
+        <p:spPr>
+          <a:xfrm>
+            <a:off x="5012583" y="2518869"/>
+            <a:ext cx="1188132" cy="2232248"/>
+          </a:xfrm>
+          <a:prstGeom prst="straightConnector1">
+            <a:avLst/>
+          </a:prstGeom>
+          <a:ln>
+            <a:tailEnd type="arrow"/>
+          </a:ln>
+        </p:spPr>
+        <p:style>
+          <a:lnRef idx="2">
+            <a:schemeClr val="accent2"/>
+          </a:lnRef>
+          <a:fillRef idx="0">
+            <a:schemeClr val="accent2"/>
+          </a:fillRef>
+          <a:effectRef idx="1">
+            <a:schemeClr val="accent2"/>
+          </a:effectRef>
+          <a:fontRef idx="minor">
+            <a:schemeClr val="tx1"/>
+          </a:fontRef>
+        </p:style>
+      </p:cxnSp>
+      <p:cxnSp>
+        <p:nvCxnSpPr>
+          <p:cNvPr id="47" name="Straight Arrow Connector 46"/>
+          <p:cNvCxnSpPr>
+            <a:stCxn id="44" idx="4"/>
+            <a:endCxn id="41" idx="0"/>
+          </p:cNvCxnSpPr>
+          <p:nvPr/>
+        </p:nvCxnSpPr>
+        <p:spPr>
+          <a:xfrm flipH="1">
+            <a:off x="3032363" y="2878909"/>
+            <a:ext cx="576064" cy="504056"/>
+          </a:xfrm>
+          <a:prstGeom prst="straightConnector1">
+            <a:avLst/>
+          </a:prstGeom>
+          <a:ln>
+            <a:tailEnd type="arrow"/>
+          </a:ln>
+        </p:spPr>
+        <p:style>
+          <a:lnRef idx="2">
+            <a:schemeClr val="accent2"/>
+          </a:lnRef>
+          <a:fillRef idx="0">
+            <a:schemeClr val="accent2"/>
+          </a:fillRef>
+          <a:effectRef idx="1">
+            <a:schemeClr val="accent2"/>
+          </a:effectRef>
+          <a:fontRef idx="minor">
+            <a:schemeClr val="tx1"/>
+          </a:fontRef>
+        </p:style>
+      </p:cxnSp>
+      <p:cxnSp>
+        <p:nvCxnSpPr>
+          <p:cNvPr id="48" name="Straight Arrow Connector 47"/>
+          <p:cNvCxnSpPr>
+            <a:stCxn id="44" idx="5"/>
+            <a:endCxn id="42" idx="0"/>
+          </p:cNvCxnSpPr>
+          <p:nvPr/>
+        </p:nvCxnSpPr>
+        <p:spPr>
+          <a:xfrm flipH="1">
+            <a:off x="3968467" y="2773456"/>
+            <a:ext cx="632848" cy="2697741"/>
+          </a:xfrm>
+          <a:prstGeom prst="straightConnector1">
+            <a:avLst/>
+          </a:prstGeom>
+          <a:ln>
+            <a:tailEnd type="arrow"/>
+          </a:ln>
+        </p:spPr>
+        <p:style>
+          <a:lnRef idx="2">
+            <a:schemeClr val="accent2"/>
+          </a:lnRef>
+          <a:fillRef idx="0">
+            <a:schemeClr val="accent2"/>
+          </a:fillRef>
+          <a:effectRef idx="1">
+            <a:schemeClr val="accent2"/>
+          </a:effectRef>
+          <a:fontRef idx="minor">
+            <a:schemeClr val="tx1"/>
+          </a:fontRef>
+        </p:style>
+      </p:cxnSp>
+      <p:sp>
+        <p:nvSpPr>
+          <p:cNvPr id="49" name="Oval 48"/>
+          <p:cNvSpPr/>
+          <p:nvPr/>
+        </p:nvSpPr>
+        <p:spPr>
+          <a:xfrm>
+            <a:off x="7039704" y="1984573"/>
+            <a:ext cx="360040" cy="360040"/>
+          </a:xfrm>
+          <a:prstGeom prst="ellipse">
+            <a:avLst/>
+          </a:prstGeom>
+        </p:spPr>
+        <p:style>
+          <a:lnRef idx="2">
+            <a:schemeClr val="accent4">
+              <a:shade val="50000"/>
+            </a:schemeClr>
+          </a:lnRef>
+          <a:fillRef idx="1">
+            <a:schemeClr val="accent4"/>
+          </a:fillRef>
+          <a:effectRef idx="0">
+            <a:schemeClr val="accent4"/>
+          </a:effectRef>
+          <a:fontRef idx="minor">
+            <a:schemeClr val="lt1"/>
+          </a:fontRef>
+        </p:style>
+        <p:txBody>
+          <a:bodyPr rtlCol="0" anchor="ctr"/>
+          <a:lstStyle/>
+          <a:p>
+            <a:pPr algn="ctr"/>
+            <a:endParaRPr lang="en-US"/>
+          </a:p>
+        </p:txBody>
+      </p:sp>
+      <p:sp>
+        <p:nvSpPr>
+          <p:cNvPr id="50" name="TextBox 49"/>
+          <p:cNvSpPr txBox="1"/>
+          <p:nvPr/>
+        </p:nvSpPr>
+        <p:spPr>
+          <a:xfrm>
+            <a:off x="7577253" y="1955481"/>
+            <a:ext cx="3539925" cy="3139321"/>
+          </a:xfrm>
+          <a:prstGeom prst="rect">
+            <a:avLst/>
+          </a:prstGeom>
+          <a:noFill/>
+        </p:spPr>
+        <p:txBody>
+          <a:bodyPr wrap="square" rtlCol="0">
+            <a:spAutoFit/>
+          </a:bodyPr>
+          <a:lstStyle/>
+          <a:p>
+            <a:r>
+              <a:rPr lang="en-US" dirty="0" smtClean="0"/>
+              <a:t>Child Stateful </a:t>
+            </a:r>
+            <a:r>
+              <a:rPr lang="en-US" dirty="0" smtClean="0"/>
+              <a:t>PCE (PNC)</a:t>
+            </a:r>
+          </a:p>
+          <a:p>
+            <a:pPr marL="285750" indent="-285750">
+              <a:buFont typeface="Arial" panose="020B0604020202020204" pitchFamily="34" charset="0"/>
+              <a:buChar char="•"/>
+            </a:pPr>
+            <a:r>
+              <a:rPr lang="en-US" dirty="0" smtClean="0"/>
+              <a:t>The VN Association help to find the per-domain LSPs (or E2E) that belong to the same VN. </a:t>
+            </a:r>
+          </a:p>
+          <a:p>
+            <a:pPr marL="285750" indent="-285750">
+              <a:buFont typeface="Arial" panose="020B0604020202020204" pitchFamily="34" charset="0"/>
+              <a:buChar char="•"/>
+            </a:pPr>
+            <a:r>
+              <a:rPr lang="en-US" dirty="0" smtClean="0"/>
+              <a:t>During re-optimization, this relationship is factored in during path computation</a:t>
+            </a:r>
+          </a:p>
+          <a:p>
+            <a:pPr marL="285750" indent="-285750">
+              <a:buFont typeface="Arial" panose="020B0604020202020204" pitchFamily="34" charset="0"/>
+              <a:buChar char="•"/>
+            </a:pPr>
+            <a:r>
+              <a:rPr lang="en-US" dirty="0" smtClean="0"/>
+              <a:t>Local Policy can be set per VN (rather than individually for each LSP)</a:t>
+            </a:r>
+            <a:endParaRPr lang="en-US" dirty="0"/>
+          </a:p>
+        </p:txBody>
+      </p:sp>
+      <p:sp>
+        <p:nvSpPr>
+          <p:cNvPr id="51" name="Rectangle 50"/>
+          <p:cNvSpPr/>
+          <p:nvPr/>
+        </p:nvSpPr>
+        <p:spPr>
+          <a:xfrm>
+            <a:off x="2807495" y="4011697"/>
+            <a:ext cx="273170" cy="159327"/>
+          </a:xfrm>
+          <a:prstGeom prst="rect">
+            <a:avLst/>
+          </a:prstGeom>
+        </p:spPr>
+        <p:style>
+          <a:lnRef idx="2">
+            <a:schemeClr val="accent1">
+              <a:shade val="50000"/>
+            </a:schemeClr>
+          </a:lnRef>
+          <a:fillRef idx="1">
+            <a:schemeClr val="accent1"/>
+          </a:fillRef>
+          <a:effectRef idx="0">
+            <a:schemeClr val="accent1"/>
+          </a:effectRef>
+          <a:fontRef idx="minor">
+            <a:schemeClr val="lt1"/>
+          </a:fontRef>
+        </p:style>
+        <p:txBody>
+          <a:bodyPr rtlCol="0" anchor="ctr"/>
+          <a:lstStyle/>
+          <a:p>
+            <a:pPr algn="ctr"/>
+            <a:endParaRPr lang="en-US"/>
+          </a:p>
+        </p:txBody>
+      </p:sp>
+      <p:sp>
+        <p:nvSpPr>
+          <p:cNvPr id="52" name="Freeform 51"/>
+          <p:cNvSpPr/>
+          <p:nvPr/>
+        </p:nvSpPr>
+        <p:spPr>
+          <a:xfrm>
+            <a:off x="460322" y="5148719"/>
+            <a:ext cx="6861724" cy="1202832"/>
+          </a:xfrm>
+          <a:custGeom>
+            <a:avLst/>
+            <a:gdLst>
+              <a:gd name="connsiteX0" fmla="*/ 24318 w 6861724"/>
+              <a:gd name="connsiteY0" fmla="*/ 247320 h 1202832"/>
+              <a:gd name="connsiteX1" fmla="*/ 180837 w 6861724"/>
+              <a:gd name="connsiteY1" fmla="*/ 848682 h 1202832"/>
+              <a:gd name="connsiteX2" fmla="*/ 1367086 w 6861724"/>
+              <a:gd name="connsiteY2" fmla="*/ 774542 h 1202832"/>
+              <a:gd name="connsiteX3" fmla="*/ 2602762 w 6861724"/>
+              <a:gd name="connsiteY3" fmla="*/ 1194672 h 1202832"/>
+              <a:gd name="connsiteX4" fmla="*/ 3097032 w 6861724"/>
+              <a:gd name="connsiteY4" fmla="*/ 1062866 h 1202832"/>
+              <a:gd name="connsiteX5" fmla="*/ 3731345 w 6861724"/>
+              <a:gd name="connsiteY5" fmla="*/ 1194672 h 1202832"/>
+              <a:gd name="connsiteX6" fmla="*/ 5378913 w 6861724"/>
+              <a:gd name="connsiteY6" fmla="*/ 881634 h 1202832"/>
+              <a:gd name="connsiteX7" fmla="*/ 5535432 w 6861724"/>
+              <a:gd name="connsiteY7" fmla="*/ 239082 h 1202832"/>
+              <a:gd name="connsiteX8" fmla="*/ 6161507 w 6861724"/>
+              <a:gd name="connsiteY8" fmla="*/ 626261 h 1202832"/>
+              <a:gd name="connsiteX9" fmla="*/ 6194459 w 6861724"/>
+              <a:gd name="connsiteY9" fmla="*/ 185 h 1202832"/>
+              <a:gd name="connsiteX10" fmla="*/ 6861724 w 6861724"/>
+              <a:gd name="connsiteY10" fmla="*/ 560358 h 1202832"/>
+            </a:gdLst>
+            <a:ahLst/>
+            <a:cxnLst>
+              <a:cxn ang="0">
+                <a:pos x="connsiteX0" y="connsiteY0"/>
+              </a:cxn>
+              <a:cxn ang="0">
+                <a:pos x="connsiteX1" y="connsiteY1"/>
+              </a:cxn>
+              <a:cxn ang="0">
+                <a:pos x="connsiteX2" y="connsiteY2"/>
+              </a:cxn>
+              <a:cxn ang="0">
+                <a:pos x="connsiteX3" y="connsiteY3"/>
+              </a:cxn>
+              <a:cxn ang="0">
+                <a:pos x="connsiteX4" y="connsiteY4"/>
+              </a:cxn>
+              <a:cxn ang="0">
+                <a:pos x="connsiteX5" y="connsiteY5"/>
+              </a:cxn>
+              <a:cxn ang="0">
+                <a:pos x="connsiteX6" y="connsiteY6"/>
+              </a:cxn>
+              <a:cxn ang="0">
+                <a:pos x="connsiteX7" y="connsiteY7"/>
+              </a:cxn>
+              <a:cxn ang="0">
+                <a:pos x="connsiteX8" y="connsiteY8"/>
+              </a:cxn>
+              <a:cxn ang="0">
+                <a:pos x="connsiteX9" y="connsiteY9"/>
+              </a:cxn>
+              <a:cxn ang="0">
+                <a:pos x="connsiteX10" y="connsiteY10"/>
+              </a:cxn>
+            </a:cxnLst>
+            <a:rect l="l" t="t" r="r" b="b"/>
+            <a:pathLst>
+              <a:path w="6861724" h="1202832">
+                <a:moveTo>
+                  <a:pt x="24318" y="247320"/>
+                </a:moveTo>
+                <a:cubicBezTo>
+                  <a:pt x="-9320" y="504066"/>
+                  <a:pt x="-42958" y="760812"/>
+                  <a:pt x="180837" y="848682"/>
+                </a:cubicBezTo>
+                <a:cubicBezTo>
+                  <a:pt x="404632" y="936552"/>
+                  <a:pt x="963432" y="716877"/>
+                  <a:pt x="1367086" y="774542"/>
+                </a:cubicBezTo>
+                <a:cubicBezTo>
+                  <a:pt x="1770740" y="832207"/>
+                  <a:pt x="2314438" y="1146618"/>
+                  <a:pt x="2602762" y="1194672"/>
+                </a:cubicBezTo>
+                <a:cubicBezTo>
+                  <a:pt x="2891086" y="1242726"/>
+                  <a:pt x="2908935" y="1062866"/>
+                  <a:pt x="3097032" y="1062866"/>
+                </a:cubicBezTo>
+                <a:cubicBezTo>
+                  <a:pt x="3285129" y="1062866"/>
+                  <a:pt x="3351032" y="1224877"/>
+                  <a:pt x="3731345" y="1194672"/>
+                </a:cubicBezTo>
+                <a:cubicBezTo>
+                  <a:pt x="4111659" y="1164467"/>
+                  <a:pt x="5078232" y="1040899"/>
+                  <a:pt x="5378913" y="881634"/>
+                </a:cubicBezTo>
+                <a:cubicBezTo>
+                  <a:pt x="5679594" y="722369"/>
+                  <a:pt x="5405000" y="281644"/>
+                  <a:pt x="5535432" y="239082"/>
+                </a:cubicBezTo>
+                <a:cubicBezTo>
+                  <a:pt x="5665864" y="196520"/>
+                  <a:pt x="6051669" y="666077"/>
+                  <a:pt x="6161507" y="626261"/>
+                </a:cubicBezTo>
+                <a:cubicBezTo>
+                  <a:pt x="6271345" y="586445"/>
+                  <a:pt x="6077756" y="11169"/>
+                  <a:pt x="6194459" y="185"/>
+                </a:cubicBezTo>
+                <a:cubicBezTo>
+                  <a:pt x="6311162" y="-10799"/>
+                  <a:pt x="6753259" y="469742"/>
+                  <a:pt x="6861724" y="560358"/>
+                </a:cubicBezTo>
+              </a:path>
+            </a:pathLst>
+          </a:custGeom>
+          <a:noFill/>
+          <a:ln w="25400">
+            <a:solidFill>
+              <a:srgbClr val="FF0000"/>
+            </a:solidFill>
+          </a:ln>
+        </p:spPr>
+        <p:style>
+          <a:lnRef idx="2">
+            <a:schemeClr val="accent1">
+              <a:shade val="50000"/>
+            </a:schemeClr>
+          </a:lnRef>
+          <a:fillRef idx="1">
+            <a:schemeClr val="accent1"/>
+          </a:fillRef>
+          <a:effectRef idx="0">
+            <a:schemeClr val="accent1"/>
+          </a:effectRef>
+          <a:fontRef idx="minor">
+            <a:schemeClr val="lt1"/>
+          </a:fontRef>
+        </p:style>
+        <p:txBody>
+          <a:bodyPr rtlCol="0" anchor="ctr"/>
+          <a:lstStyle/>
+          <a:p>
+            <a:pPr algn="ctr"/>
+            <a:endParaRPr lang="en-US"/>
+          </a:p>
+        </p:txBody>
+      </p:sp>
+      <p:sp>
+        <p:nvSpPr>
+          <p:cNvPr id="53" name="Freeform 52"/>
+          <p:cNvSpPr/>
+          <p:nvPr/>
+        </p:nvSpPr>
+        <p:spPr>
+          <a:xfrm>
+            <a:off x="529385" y="5062884"/>
+            <a:ext cx="6054290" cy="1145421"/>
+          </a:xfrm>
+          <a:custGeom>
+            <a:avLst/>
+            <a:gdLst>
+              <a:gd name="connsiteX0" fmla="*/ 0 w 6054290"/>
+              <a:gd name="connsiteY0" fmla="*/ 250257 h 1145421"/>
+              <a:gd name="connsiteX1" fmla="*/ 606391 w 6054290"/>
+              <a:gd name="connsiteY1" fmla="*/ 490888 h 1145421"/>
+              <a:gd name="connsiteX2" fmla="*/ 1010652 w 6054290"/>
+              <a:gd name="connsiteY2" fmla="*/ 86627 h 1145421"/>
+              <a:gd name="connsiteX3" fmla="*/ 1482290 w 6054290"/>
+              <a:gd name="connsiteY3" fmla="*/ 818147 h 1145421"/>
+              <a:gd name="connsiteX4" fmla="*/ 2810577 w 6054290"/>
+              <a:gd name="connsiteY4" fmla="*/ 875899 h 1145421"/>
+              <a:gd name="connsiteX5" fmla="*/ 3359217 w 6054290"/>
+              <a:gd name="connsiteY5" fmla="*/ 1145406 h 1145421"/>
+              <a:gd name="connsiteX6" fmla="*/ 3782728 w 6054290"/>
+              <a:gd name="connsiteY6" fmla="*/ 885524 h 1145421"/>
+              <a:gd name="connsiteX7" fmla="*/ 4937760 w 6054290"/>
+              <a:gd name="connsiteY7" fmla="*/ 317633 h 1145421"/>
+              <a:gd name="connsiteX8" fmla="*/ 5717406 w 6054290"/>
+              <a:gd name="connsiteY8" fmla="*/ 308008 h 1145421"/>
+              <a:gd name="connsiteX9" fmla="*/ 6054290 w 6054290"/>
+              <a:gd name="connsiteY9" fmla="*/ 0 h 1145421"/>
+            </a:gdLst>
+            <a:ahLst/>
+            <a:cxnLst>
+              <a:cxn ang="0">
+                <a:pos x="connsiteX0" y="connsiteY0"/>
+              </a:cxn>
+              <a:cxn ang="0">
+                <a:pos x="connsiteX1" y="connsiteY1"/>
+              </a:cxn>
+              <a:cxn ang="0">
+                <a:pos x="connsiteX2" y="connsiteY2"/>
+              </a:cxn>
+              <a:cxn ang="0">
+                <a:pos x="connsiteX3" y="connsiteY3"/>
+              </a:cxn>
+              <a:cxn ang="0">
+                <a:pos x="connsiteX4" y="connsiteY4"/>
+              </a:cxn>
+              <a:cxn ang="0">
+                <a:pos x="connsiteX5" y="connsiteY5"/>
+              </a:cxn>
+              <a:cxn ang="0">
+                <a:pos x="connsiteX6" y="connsiteY6"/>
+              </a:cxn>
+              <a:cxn ang="0">
+                <a:pos x="connsiteX7" y="connsiteY7"/>
+              </a:cxn>
+              <a:cxn ang="0">
+                <a:pos x="connsiteX8" y="connsiteY8"/>
+              </a:cxn>
+              <a:cxn ang="0">
+                <a:pos x="connsiteX9" y="connsiteY9"/>
+              </a:cxn>
+            </a:cxnLst>
+            <a:rect l="l" t="t" r="r" b="b"/>
+            <a:pathLst>
+              <a:path w="6054290" h="1145421">
+                <a:moveTo>
+                  <a:pt x="0" y="250257"/>
+                </a:moveTo>
+                <a:cubicBezTo>
+                  <a:pt x="218974" y="384208"/>
+                  <a:pt x="437949" y="518160"/>
+                  <a:pt x="606391" y="490888"/>
+                </a:cubicBezTo>
+                <a:cubicBezTo>
+                  <a:pt x="774833" y="463616"/>
+                  <a:pt x="864669" y="32084"/>
+                  <a:pt x="1010652" y="86627"/>
+                </a:cubicBezTo>
+                <a:cubicBezTo>
+                  <a:pt x="1156635" y="141170"/>
+                  <a:pt x="1182303" y="686602"/>
+                  <a:pt x="1482290" y="818147"/>
+                </a:cubicBezTo>
+                <a:cubicBezTo>
+                  <a:pt x="1782277" y="949692"/>
+                  <a:pt x="2497756" y="821356"/>
+                  <a:pt x="2810577" y="875899"/>
+                </a:cubicBezTo>
+                <a:cubicBezTo>
+                  <a:pt x="3123398" y="930442"/>
+                  <a:pt x="3197192" y="1143802"/>
+                  <a:pt x="3359217" y="1145406"/>
+                </a:cubicBezTo>
+                <a:cubicBezTo>
+                  <a:pt x="3521242" y="1147010"/>
+                  <a:pt x="3519638" y="1023486"/>
+                  <a:pt x="3782728" y="885524"/>
+                </a:cubicBezTo>
+                <a:cubicBezTo>
+                  <a:pt x="4045819" y="747562"/>
+                  <a:pt x="4615314" y="413886"/>
+                  <a:pt x="4937760" y="317633"/>
+                </a:cubicBezTo>
+                <a:cubicBezTo>
+                  <a:pt x="5260206" y="221380"/>
+                  <a:pt x="5531318" y="360947"/>
+                  <a:pt x="5717406" y="308008"/>
+                </a:cubicBezTo>
+                <a:cubicBezTo>
+                  <a:pt x="5903494" y="255069"/>
+                  <a:pt x="5978892" y="127534"/>
+                  <a:pt x="6054290" y="0"/>
+                </a:cubicBezTo>
+              </a:path>
+            </a:pathLst>
+          </a:custGeom>
+          <a:noFill/>
+          <a:ln w="25400">
+            <a:solidFill>
+              <a:srgbClr val="FF0000"/>
+            </a:solidFill>
+          </a:ln>
+        </p:spPr>
+        <p:style>
+          <a:lnRef idx="2">
+            <a:schemeClr val="accent1">
+              <a:shade val="50000"/>
+            </a:schemeClr>
+          </a:lnRef>
+          <a:fillRef idx="1">
+            <a:schemeClr val="accent1"/>
+          </a:fillRef>
+          <a:effectRef idx="0">
+            <a:schemeClr val="accent1"/>
+          </a:effectRef>
+          <a:fontRef idx="minor">
+            <a:schemeClr val="lt1"/>
+          </a:fontRef>
+        </p:style>
+        <p:txBody>
+          <a:bodyPr rtlCol="0" anchor="ctr"/>
+          <a:lstStyle/>
+          <a:p>
+            <a:pPr algn="ctr"/>
+            <a:endParaRPr lang="en-US"/>
+          </a:p>
+        </p:txBody>
+      </p:sp>
+      <p:sp>
+        <p:nvSpPr>
+          <p:cNvPr id="58" name="Freeform 57"/>
+          <p:cNvSpPr/>
+          <p:nvPr/>
+        </p:nvSpPr>
+        <p:spPr>
+          <a:xfrm>
+            <a:off x="2569941" y="3792349"/>
+            <a:ext cx="4822256" cy="2194106"/>
+          </a:xfrm>
+          <a:custGeom>
+            <a:avLst/>
+            <a:gdLst>
+              <a:gd name="connsiteX0" fmla="*/ 0 w 4822256"/>
+              <a:gd name="connsiteY0" fmla="*/ 0 h 2194106"/>
+              <a:gd name="connsiteX1" fmla="*/ 404261 w 4822256"/>
+              <a:gd name="connsiteY1" fmla="*/ 231006 h 2194106"/>
+              <a:gd name="connsiteX2" fmla="*/ 721894 w 4822256"/>
+              <a:gd name="connsiteY2" fmla="*/ 616017 h 2194106"/>
+              <a:gd name="connsiteX3" fmla="*/ 1925052 w 4822256"/>
+              <a:gd name="connsiteY3" fmla="*/ 2165684 h 2194106"/>
+              <a:gd name="connsiteX4" fmla="*/ 3041583 w 4822256"/>
+              <a:gd name="connsiteY4" fmla="*/ 1626669 h 2194106"/>
+              <a:gd name="connsiteX5" fmla="*/ 3599848 w 4822256"/>
+              <a:gd name="connsiteY5" fmla="*/ 1713297 h 2194106"/>
+              <a:gd name="connsiteX6" fmla="*/ 4071486 w 4822256"/>
+              <a:gd name="connsiteY6" fmla="*/ 2146434 h 2194106"/>
+              <a:gd name="connsiteX7" fmla="*/ 4822256 w 4822256"/>
+              <a:gd name="connsiteY7" fmla="*/ 1982804 h 2194106"/>
+            </a:gdLst>
+            <a:ahLst/>
+            <a:cxnLst>
+              <a:cxn ang="0">
+                <a:pos x="connsiteX0" y="connsiteY0"/>
+              </a:cxn>
+              <a:cxn ang="0">
+                <a:pos x="connsiteX1" y="connsiteY1"/>
+              </a:cxn>
+              <a:cxn ang="0">
+                <a:pos x="connsiteX2" y="connsiteY2"/>
+              </a:cxn>
+              <a:cxn ang="0">
+                <a:pos x="connsiteX3" y="connsiteY3"/>
+              </a:cxn>
+              <a:cxn ang="0">
+                <a:pos x="connsiteX4" y="connsiteY4"/>
+              </a:cxn>
+              <a:cxn ang="0">
+                <a:pos x="connsiteX5" y="connsiteY5"/>
+              </a:cxn>
+              <a:cxn ang="0">
+                <a:pos x="connsiteX6" y="connsiteY6"/>
+              </a:cxn>
+              <a:cxn ang="0">
+                <a:pos x="connsiteX7" y="connsiteY7"/>
+              </a:cxn>
+            </a:cxnLst>
+            <a:rect l="l" t="t" r="r" b="b"/>
+            <a:pathLst>
+              <a:path w="4822256" h="2194106">
+                <a:moveTo>
+                  <a:pt x="0" y="0"/>
+                </a:moveTo>
+                <a:cubicBezTo>
+                  <a:pt x="141972" y="64168"/>
+                  <a:pt x="283945" y="128337"/>
+                  <a:pt x="404261" y="231006"/>
+                </a:cubicBezTo>
+                <a:cubicBezTo>
+                  <a:pt x="524577" y="333675"/>
+                  <a:pt x="468429" y="293571"/>
+                  <a:pt x="721894" y="616017"/>
+                </a:cubicBezTo>
+                <a:cubicBezTo>
+                  <a:pt x="975359" y="938463"/>
+                  <a:pt x="1538437" y="1997242"/>
+                  <a:pt x="1925052" y="2165684"/>
+                </a:cubicBezTo>
+                <a:cubicBezTo>
+                  <a:pt x="2311667" y="2334126"/>
+                  <a:pt x="2762450" y="1702067"/>
+                  <a:pt x="3041583" y="1626669"/>
+                </a:cubicBezTo>
+                <a:cubicBezTo>
+                  <a:pt x="3320716" y="1551271"/>
+                  <a:pt x="3428198" y="1626670"/>
+                  <a:pt x="3599848" y="1713297"/>
+                </a:cubicBezTo>
+                <a:cubicBezTo>
+                  <a:pt x="3771498" y="1799924"/>
+                  <a:pt x="3867751" y="2101516"/>
+                  <a:pt x="4071486" y="2146434"/>
+                </a:cubicBezTo>
+                <a:cubicBezTo>
+                  <a:pt x="4275221" y="2191352"/>
+                  <a:pt x="4548738" y="2087078"/>
+                  <a:pt x="4822256" y="1982804"/>
+                </a:cubicBezTo>
+              </a:path>
+            </a:pathLst>
+          </a:custGeom>
+          <a:noFill/>
+          <a:ln w="25400">
+            <a:solidFill>
+              <a:srgbClr val="0070C0"/>
+            </a:solidFill>
+          </a:ln>
+        </p:spPr>
+        <p:style>
+          <a:lnRef idx="2">
+            <a:schemeClr val="accent1">
+              <a:shade val="50000"/>
+            </a:schemeClr>
+          </a:lnRef>
+          <a:fillRef idx="1">
+            <a:schemeClr val="accent1"/>
+          </a:fillRef>
+          <a:effectRef idx="0">
+            <a:schemeClr val="accent1"/>
+          </a:effectRef>
+          <a:fontRef idx="minor">
+            <a:schemeClr val="lt1"/>
+          </a:fontRef>
+        </p:style>
+        <p:txBody>
+          <a:bodyPr rtlCol="0" anchor="ctr"/>
+          <a:lstStyle/>
+          <a:p>
+            <a:pPr algn="ctr"/>
+            <a:endParaRPr lang="en-US"/>
+          </a:p>
+        </p:txBody>
+      </p:sp>
+      <p:sp>
+        <p:nvSpPr>
+          <p:cNvPr id="59" name="Freeform 58"/>
+          <p:cNvSpPr/>
+          <p:nvPr/>
+        </p:nvSpPr>
+        <p:spPr>
+          <a:xfrm>
+            <a:off x="712265" y="5062884"/>
+            <a:ext cx="6035040" cy="1371644"/>
+          </a:xfrm>
+          <a:custGeom>
+            <a:avLst/>
+            <a:gdLst>
+              <a:gd name="connsiteX0" fmla="*/ 0 w 6035040"/>
+              <a:gd name="connsiteY0" fmla="*/ 1078029 h 1371644"/>
+              <a:gd name="connsiteX1" fmla="*/ 1145406 w 6035040"/>
+              <a:gd name="connsiteY1" fmla="*/ 943275 h 1371644"/>
+              <a:gd name="connsiteX2" fmla="*/ 2396690 w 6035040"/>
+              <a:gd name="connsiteY2" fmla="*/ 1366787 h 1371644"/>
+              <a:gd name="connsiteX3" fmla="*/ 3003082 w 6035040"/>
+              <a:gd name="connsiteY3" fmla="*/ 1183907 h 1371644"/>
+              <a:gd name="connsiteX4" fmla="*/ 3503596 w 6035040"/>
+              <a:gd name="connsiteY4" fmla="*/ 1357162 h 1371644"/>
+              <a:gd name="connsiteX5" fmla="*/ 5255393 w 6035040"/>
+              <a:gd name="connsiteY5" fmla="*/ 981777 h 1371644"/>
+              <a:gd name="connsiteX6" fmla="*/ 5447899 w 6035040"/>
+              <a:gd name="connsiteY6" fmla="*/ 404261 h 1371644"/>
+              <a:gd name="connsiteX7" fmla="*/ 6035040 w 6035040"/>
+              <a:gd name="connsiteY7" fmla="*/ 0 h 1371644"/>
+            </a:gdLst>
+            <a:ahLst/>
+            <a:cxnLst>
+              <a:cxn ang="0">
+                <a:pos x="connsiteX0" y="connsiteY0"/>
+              </a:cxn>
+              <a:cxn ang="0">
+                <a:pos x="connsiteX1" y="connsiteY1"/>
+              </a:cxn>
+              <a:cxn ang="0">
+                <a:pos x="connsiteX2" y="connsiteY2"/>
+              </a:cxn>
+              <a:cxn ang="0">
+                <a:pos x="connsiteX3" y="connsiteY3"/>
+              </a:cxn>
+              <a:cxn ang="0">
+                <a:pos x="connsiteX4" y="connsiteY4"/>
+              </a:cxn>
+              <a:cxn ang="0">
+                <a:pos x="connsiteX5" y="connsiteY5"/>
+              </a:cxn>
+              <a:cxn ang="0">
+                <a:pos x="connsiteX6" y="connsiteY6"/>
+              </a:cxn>
+              <a:cxn ang="0">
+                <a:pos x="connsiteX7" y="connsiteY7"/>
+              </a:cxn>
+            </a:cxnLst>
+            <a:rect l="l" t="t" r="r" b="b"/>
+            <a:pathLst>
+              <a:path w="6035040" h="1371644">
+                <a:moveTo>
+                  <a:pt x="0" y="1078029"/>
+                </a:moveTo>
+                <a:cubicBezTo>
+                  <a:pt x="372979" y="986589"/>
+                  <a:pt x="745958" y="895149"/>
+                  <a:pt x="1145406" y="943275"/>
+                </a:cubicBezTo>
+                <a:cubicBezTo>
+                  <a:pt x="1544854" y="991401"/>
+                  <a:pt x="2087077" y="1326682"/>
+                  <a:pt x="2396690" y="1366787"/>
+                </a:cubicBezTo>
+                <a:cubicBezTo>
+                  <a:pt x="2706303" y="1406892"/>
+                  <a:pt x="2818598" y="1185511"/>
+                  <a:pt x="3003082" y="1183907"/>
+                </a:cubicBezTo>
+                <a:cubicBezTo>
+                  <a:pt x="3187566" y="1182303"/>
+                  <a:pt x="3128211" y="1390850"/>
+                  <a:pt x="3503596" y="1357162"/>
+                </a:cubicBezTo>
+                <a:cubicBezTo>
+                  <a:pt x="3878981" y="1323474"/>
+                  <a:pt x="4931343" y="1140594"/>
+                  <a:pt x="5255393" y="981777"/>
+                </a:cubicBezTo>
+                <a:cubicBezTo>
+                  <a:pt x="5579444" y="822960"/>
+                  <a:pt x="5317958" y="567890"/>
+                  <a:pt x="5447899" y="404261"/>
+                </a:cubicBezTo>
+                <a:cubicBezTo>
+                  <a:pt x="5577840" y="240632"/>
+                  <a:pt x="5943600" y="65773"/>
+                  <a:pt x="6035040" y="0"/>
+                </a:cubicBezTo>
+              </a:path>
+            </a:pathLst>
+          </a:custGeom>
+          <a:noFill/>
+          <a:ln w="25400">
+            <a:solidFill>
+              <a:srgbClr val="0070C0"/>
+            </a:solidFill>
+          </a:ln>
+        </p:spPr>
+        <p:style>
+          <a:lnRef idx="2">
+            <a:schemeClr val="accent1">
+              <a:shade val="50000"/>
+            </a:schemeClr>
+          </a:lnRef>
+          <a:fillRef idx="1">
+            <a:schemeClr val="accent1"/>
+          </a:fillRef>
+          <a:effectRef idx="0">
+            <a:schemeClr val="accent1"/>
+          </a:effectRef>
+          <a:fontRef idx="minor">
+            <a:schemeClr val="lt1"/>
+          </a:fontRef>
+        </p:style>
+        <p:txBody>
+          <a:bodyPr rtlCol="0" anchor="ctr"/>
+          <a:lstStyle/>
+          <a:p>
+            <a:pPr algn="ctr"/>
+            <a:endParaRPr lang="en-US"/>
+          </a:p>
+        </p:txBody>
+      </p:sp>
+      <p:sp>
+        <p:nvSpPr>
+          <p:cNvPr id="60" name="TextBox 59"/>
+          <p:cNvSpPr txBox="1"/>
+          <p:nvPr/>
+        </p:nvSpPr>
+        <p:spPr>
+          <a:xfrm>
+            <a:off x="207047" y="3041583"/>
+            <a:ext cx="1268758" cy="646331"/>
+          </a:xfrm>
+          <a:prstGeom prst="rect">
+            <a:avLst/>
+          </a:prstGeom>
+          <a:noFill/>
+        </p:spPr>
+        <p:txBody>
+          <a:bodyPr wrap="square" rtlCol="0">
+            <a:spAutoFit/>
+          </a:bodyPr>
+          <a:lstStyle/>
+          <a:p>
+            <a:pPr marL="285750" indent="-285750">
+              <a:buFont typeface="Arial" panose="020B0604020202020204" pitchFamily="34" charset="0"/>
+              <a:buChar char="•"/>
+            </a:pPr>
+            <a:r>
+              <a:rPr lang="en-US" dirty="0" smtClean="0">
+                <a:solidFill>
+                  <a:srgbClr val="FF0000"/>
+                </a:solidFill>
+              </a:rPr>
+              <a:t>Red VN</a:t>
+            </a:r>
+          </a:p>
+          <a:p>
+            <a:pPr marL="285750" indent="-285750">
+              <a:buFont typeface="Arial" panose="020B0604020202020204" pitchFamily="34" charset="0"/>
+              <a:buChar char="•"/>
+            </a:pPr>
+            <a:r>
+              <a:rPr lang="en-US" dirty="0" smtClean="0">
+                <a:solidFill>
+                  <a:srgbClr val="0070C0"/>
+                </a:solidFill>
+              </a:rPr>
+              <a:t>Blue VN</a:t>
+            </a:r>
+            <a:endParaRPr lang="en-US" dirty="0">
+              <a:solidFill>
+                <a:srgbClr val="0070C0"/>
+              </a:solidFill>
+            </a:endParaRPr>
+          </a:p>
+        </p:txBody>
+      </p:sp>
+    </p:spTree>
+    <p:extLst>
+      <p:ext uri="{BB962C8B-B14F-4D97-AF65-F5344CB8AC3E}">
+        <p14:creationId xmlns:p14="http://schemas.microsoft.com/office/powerpoint/2010/main" val="217715552"/>
+      </p:ext>
+    </p:extLst>
+  </p:cSld>
+  <p:clrMapOvr>
+    <a:masterClrMapping/>
+  </p:clrMapOvr>
+  <p:timing>
+    <p:tnLst>
+      <p:par>
+        <p:cTn id="1" dur="indefinite" restart="never" nodeType="tmRoot"/>
+      </p:par>
+    </p:tnLst>
+  </p:timing>
+</p:sld>
+</file>
+
+<file path=ppt/slides/slide6.xml><?xml version="1.0" encoding="utf-8"?>
+<p:sld xmlns:a="http://schemas.openxmlformats.org/drawingml/2006/main" xmlns:r="http://schemas.openxmlformats.org/officeDocument/2006/relationships" xmlns:p="http://schemas.openxmlformats.org/presentationml/2006/main">
+  <p:cSld>
+    <p:spTree>
+      <p:nvGrpSpPr>
+        <p:cNvPr id="1" name=""/>
+        <p:cNvGrpSpPr/>
+        <p:nvPr/>
+      </p:nvGrpSpPr>
+      <p:grpSpPr>
+        <a:xfrm>
+          <a:off x="0" y="0"/>
+          <a:ext cx="0" cy="0"/>
+          <a:chOff x="0" y="0"/>
+          <a:chExt cx="0" cy="0"/>
+        </a:xfrm>
+      </p:grpSpPr>
+      <p:sp>
+        <p:nvSpPr>
+          <p:cNvPr id="2" name="Title 1"/>
+          <p:cNvSpPr>
+            <a:spLocks noGrp="1"/>
+          </p:cNvSpPr>
+          <p:nvPr>
+            <p:ph type="title"/>
+          </p:nvPr>
+        </p:nvSpPr>
+        <p:spPr/>
+        <p:txBody>
+          <a:bodyPr/>
+          <a:lstStyle/>
+          <a:p>
+            <a:r>
               <a:rPr lang="en-US" dirty="0" smtClean="0"/>
               <a:t>Next Step</a:t>
             </a:r>
@@ -7506,7 +10054,7 @@
           <a:p>
             <a:fld id="{4FAB73BC-B049-4115-A692-8D63A059BFB8}" type="slidenum">
               <a:rPr lang="en-US" smtClean="0"/>
-              <a:t>5</a:t>
+              <a:t>6</a:t>
             </a:fld>
             <a:endParaRPr lang="en-US" dirty="0"/>
           </a:p>
@@ -7532,7 +10080,7 @@
 </p:sld>
 </file>
 
-<file path=ppt/slides/slide6.xml><?xml version="1.0" encoding="utf-8"?>
+<file path=ppt/slides/slide7.xml><?xml version="1.0" encoding="utf-8"?>
 <p:sld xmlns:a="http://schemas.openxmlformats.org/drawingml/2006/main" xmlns:r="http://schemas.openxmlformats.org/officeDocument/2006/relationships" xmlns:p="http://schemas.openxmlformats.org/presentationml/2006/main">
   <p:cSld>
     <p:spTree>
@@ -7624,7 +10172,7 @@
           <a:p>
             <a:fld id="{4FAB73BC-B049-4115-A692-8D63A059BFB8}" type="slidenum">
               <a:rPr lang="en-US" smtClean="0"/>
-              <a:t>6</a:t>
+              <a:t>7</a:t>
             </a:fld>
             <a:endParaRPr lang="en-US" dirty="0"/>
           </a:p>
